--- a/정규식.pptx
+++ b/정규식.pptx
@@ -18,11 +18,19 @@
     <p:sldId id="268" r:id="rId12"/>
     <p:sldId id="270" r:id="rId13"/>
     <p:sldId id="271" r:id="rId14"/>
-    <p:sldId id="272" r:id="rId15"/>
-    <p:sldId id="269" r:id="rId16"/>
-    <p:sldId id="273" r:id="rId17"/>
-    <p:sldId id="274" r:id="rId18"/>
-    <p:sldId id="259" r:id="rId19"/>
+    <p:sldId id="274" r:id="rId15"/>
+    <p:sldId id="272" r:id="rId16"/>
+    <p:sldId id="269" r:id="rId17"/>
+    <p:sldId id="273" r:id="rId18"/>
+    <p:sldId id="275" r:id="rId19"/>
+    <p:sldId id="276" r:id="rId20"/>
+    <p:sldId id="277" r:id="rId21"/>
+    <p:sldId id="278" r:id="rId22"/>
+    <p:sldId id="279" r:id="rId23"/>
+    <p:sldId id="280" r:id="rId24"/>
+    <p:sldId id="281" r:id="rId25"/>
+    <p:sldId id="282" r:id="rId26"/>
+    <p:sldId id="259" r:id="rId27"/>
   </p:sldIdLst>
   <p:sldSz cx="12192000" cy="6858000"/>
   <p:notesSz cx="6858000" cy="9144000"/>
@@ -121,6 +129,11 @@
       </a:defRPr>
     </a:lvl9pPr>
   </p:defaultTextStyle>
+  <p:extLst>
+    <p:ext uri="{EFAFB233-063F-42B5-8137-9DF3F51BA10A}">
+      <p15:sldGuideLst xmlns:p15="http://schemas.microsoft.com/office/powerpoint/2012/main"/>
+    </p:ext>
+  </p:extLst>
 </p:presentation>
 </file>
 
@@ -255,7 +268,7 @@
           <a:p>
             <a:fld id="{B3FB55A3-A846-45DF-AC28-0C68348A382C}" type="datetimeFigureOut">
               <a:rPr lang="ko-KR" altLang="en-US" smtClean="0"/>
-              <a:t>2023-11-14</a:t>
+              <a:t>2023-11-20</a:t>
             </a:fld>
             <a:endParaRPr lang="ko-KR" altLang="en-US"/>
           </a:p>
@@ -425,7 +438,7 @@
           <a:p>
             <a:fld id="{B3FB55A3-A846-45DF-AC28-0C68348A382C}" type="datetimeFigureOut">
               <a:rPr lang="ko-KR" altLang="en-US" smtClean="0"/>
-              <a:t>2023-11-14</a:t>
+              <a:t>2023-11-20</a:t>
             </a:fld>
             <a:endParaRPr lang="ko-KR" altLang="en-US"/>
           </a:p>
@@ -605,7 +618,7 @@
           <a:p>
             <a:fld id="{B3FB55A3-A846-45DF-AC28-0C68348A382C}" type="datetimeFigureOut">
               <a:rPr lang="ko-KR" altLang="en-US" smtClean="0"/>
-              <a:t>2023-11-14</a:t>
+              <a:t>2023-11-20</a:t>
             </a:fld>
             <a:endParaRPr lang="ko-KR" altLang="en-US"/>
           </a:p>
@@ -775,7 +788,7 @@
           <a:p>
             <a:fld id="{B3FB55A3-A846-45DF-AC28-0C68348A382C}" type="datetimeFigureOut">
               <a:rPr lang="ko-KR" altLang="en-US" smtClean="0"/>
-              <a:t>2023-11-14</a:t>
+              <a:t>2023-11-20</a:t>
             </a:fld>
             <a:endParaRPr lang="ko-KR" altLang="en-US"/>
           </a:p>
@@ -1021,7 +1034,7 @@
           <a:p>
             <a:fld id="{B3FB55A3-A846-45DF-AC28-0C68348A382C}" type="datetimeFigureOut">
               <a:rPr lang="ko-KR" altLang="en-US" smtClean="0"/>
-              <a:t>2023-11-14</a:t>
+              <a:t>2023-11-20</a:t>
             </a:fld>
             <a:endParaRPr lang="ko-KR" altLang="en-US"/>
           </a:p>
@@ -1253,7 +1266,7 @@
           <a:p>
             <a:fld id="{B3FB55A3-A846-45DF-AC28-0C68348A382C}" type="datetimeFigureOut">
               <a:rPr lang="ko-KR" altLang="en-US" smtClean="0"/>
-              <a:t>2023-11-14</a:t>
+              <a:t>2023-11-20</a:t>
             </a:fld>
             <a:endParaRPr lang="ko-KR" altLang="en-US"/>
           </a:p>
@@ -1620,7 +1633,7 @@
           <a:p>
             <a:fld id="{B3FB55A3-A846-45DF-AC28-0C68348A382C}" type="datetimeFigureOut">
               <a:rPr lang="ko-KR" altLang="en-US" smtClean="0"/>
-              <a:t>2023-11-14</a:t>
+              <a:t>2023-11-20</a:t>
             </a:fld>
             <a:endParaRPr lang="ko-KR" altLang="en-US"/>
           </a:p>
@@ -1738,7 +1751,7 @@
           <a:p>
             <a:fld id="{B3FB55A3-A846-45DF-AC28-0C68348A382C}" type="datetimeFigureOut">
               <a:rPr lang="ko-KR" altLang="en-US" smtClean="0"/>
-              <a:t>2023-11-14</a:t>
+              <a:t>2023-11-20</a:t>
             </a:fld>
             <a:endParaRPr lang="ko-KR" altLang="en-US"/>
           </a:p>
@@ -1833,7 +1846,7 @@
           <a:p>
             <a:fld id="{B3FB55A3-A846-45DF-AC28-0C68348A382C}" type="datetimeFigureOut">
               <a:rPr lang="ko-KR" altLang="en-US" smtClean="0"/>
-              <a:t>2023-11-14</a:t>
+              <a:t>2023-11-20</a:t>
             </a:fld>
             <a:endParaRPr lang="ko-KR" altLang="en-US"/>
           </a:p>
@@ -2110,7 +2123,7 @@
           <a:p>
             <a:fld id="{B3FB55A3-A846-45DF-AC28-0C68348A382C}" type="datetimeFigureOut">
               <a:rPr lang="ko-KR" altLang="en-US" smtClean="0"/>
-              <a:t>2023-11-14</a:t>
+              <a:t>2023-11-20</a:t>
             </a:fld>
             <a:endParaRPr lang="ko-KR" altLang="en-US"/>
           </a:p>
@@ -2363,7 +2376,7 @@
           <a:p>
             <a:fld id="{B3FB55A3-A846-45DF-AC28-0C68348A382C}" type="datetimeFigureOut">
               <a:rPr lang="ko-KR" altLang="en-US" smtClean="0"/>
-              <a:t>2023-11-14</a:t>
+              <a:t>2023-11-20</a:t>
             </a:fld>
             <a:endParaRPr lang="ko-KR" altLang="en-US"/>
           </a:p>
@@ -2576,7 +2589,7 @@
           <a:p>
             <a:fld id="{B3FB55A3-A846-45DF-AC28-0C68348A382C}" type="datetimeFigureOut">
               <a:rPr lang="ko-KR" altLang="en-US" smtClean="0"/>
-              <a:t>2023-11-14</a:t>
+              <a:t>2023-11-20</a:t>
             </a:fld>
             <a:endParaRPr lang="ko-KR" altLang="en-US"/>
           </a:p>
@@ -4973,25 +4986,18 @@
               <a:t>– </a:t>
             </a:r>
             <a:r>
+              <a:rPr lang="en-US" altLang="ko-KR" dirty="0" err="1" smtClean="0">
+                <a:latin typeface="HY헤드라인M" panose="02030600000101010101" pitchFamily="18" charset="-127"/>
+                <a:ea typeface="HY헤드라인M" panose="02030600000101010101" pitchFamily="18" charset="-127"/>
+              </a:rPr>
+              <a:t>findall</a:t>
+            </a:r>
+            <a:r>
               <a:rPr lang="en-US" altLang="ko-KR" dirty="0" smtClean="0">
                 <a:latin typeface="HY헤드라인M" panose="02030600000101010101" pitchFamily="18" charset="-127"/>
                 <a:ea typeface="HY헤드라인M" panose="02030600000101010101" pitchFamily="18" charset="-127"/>
               </a:rPr>
-              <a:t>find()</a:t>
-            </a:r>
-            <a:r>
-              <a:rPr lang="ko-KR" altLang="en-US" dirty="0" smtClean="0">
-                <a:latin typeface="HY헤드라인M" panose="02030600000101010101" pitchFamily="18" charset="-127"/>
-                <a:ea typeface="HY헤드라인M" panose="02030600000101010101" pitchFamily="18" charset="-127"/>
-              </a:rPr>
-              <a:t>와 </a:t>
-            </a:r>
-            <a:r>
-              <a:rPr lang="en-US" altLang="ko-KR" dirty="0" smtClean="0">
-                <a:latin typeface="HY헤드라인M" panose="02030600000101010101" pitchFamily="18" charset="-127"/>
-                <a:ea typeface="HY헤드라인M" panose="02030600000101010101" pitchFamily="18" charset="-127"/>
-              </a:rPr>
-              <a:t>re.search()</a:t>
+              <a:t>())</a:t>
             </a:r>
             <a:endParaRPr lang="ko-KR" altLang="en-US" dirty="0">
               <a:latin typeface="HY헤드라인M" panose="02030600000101010101" pitchFamily="18" charset="-127"/>
@@ -5151,42 +5157,277 @@
           </a:fontRef>
         </p:style>
       </p:cxnSp>
-      <p:sp>
-        <p:nvSpPr>
-          <p:cNvPr id="3" name="내용 개체 틀 2"/>
-          <p:cNvSpPr>
-            <a:spLocks noGrp="1"/>
-          </p:cNvSpPr>
+      <p:pic>
+        <p:nvPicPr>
+          <p:cNvPr id="5" name="내용 개체 틀 4"/>
+          <p:cNvPicPr>
+            <a:picLocks noGrp="1" noChangeAspect="1"/>
+          </p:cNvPicPr>
           <p:nvPr>
             <p:ph idx="1"/>
           </p:nvPr>
+        </p:nvPicPr>
+        <p:blipFill>
+          <a:blip r:embed="rId2"/>
+          <a:stretch>
+            <a:fillRect/>
+          </a:stretch>
+        </p:blipFill>
+        <p:spPr>
+          <a:xfrm>
+            <a:off x="838200" y="2012782"/>
+            <a:ext cx="7721184" cy="2578228"/>
+          </a:xfrm>
+          <a:prstGeom prst="rect">
+            <a:avLst/>
+          </a:prstGeom>
+          <a:ln w="38100" cap="sq">
+            <a:solidFill>
+              <a:srgbClr val="000000"/>
+            </a:solidFill>
+            <a:prstDash val="solid"/>
+            <a:miter lim="800000"/>
+          </a:ln>
+          <a:effectLst>
+            <a:outerShdw blurRad="50800" dist="38100" dir="2700000" algn="tl" rotWithShape="0">
+              <a:srgbClr val="000000">
+                <a:alpha val="43000"/>
+              </a:srgbClr>
+            </a:outerShdw>
+          </a:effectLst>
+        </p:spPr>
+      </p:pic>
+      <p:pic>
+        <p:nvPicPr>
+          <p:cNvPr id="6" name="그림 5"/>
+          <p:cNvPicPr>
+            <a:picLocks noChangeAspect="1"/>
+          </p:cNvPicPr>
+          <p:nvPr/>
+        </p:nvPicPr>
+        <p:blipFill rotWithShape="1">
+          <a:blip r:embed="rId3"/>
+          <a:srcRect b="14641"/>
+          <a:stretch/>
+        </p:blipFill>
+        <p:spPr>
+          <a:xfrm>
+            <a:off x="838200" y="5206974"/>
+            <a:ext cx="9009803" cy="699152"/>
+          </a:xfrm>
+          <a:prstGeom prst="rect">
+            <a:avLst/>
+          </a:prstGeom>
+          <a:ln w="38100" cap="sq">
+            <a:solidFill>
+              <a:srgbClr val="000000"/>
+            </a:solidFill>
+            <a:prstDash val="solid"/>
+            <a:miter lim="800000"/>
+          </a:ln>
+          <a:effectLst>
+            <a:outerShdw blurRad="50800" dist="38100" dir="2700000" algn="tl" rotWithShape="0">
+              <a:srgbClr val="000000">
+                <a:alpha val="43000"/>
+              </a:srgbClr>
+            </a:outerShdw>
+          </a:effectLst>
+        </p:spPr>
+      </p:pic>
+      <p:sp>
+        <p:nvSpPr>
+          <p:cNvPr id="8" name="직사각형 7"/>
+          <p:cNvSpPr/>
+          <p:nvPr/>
         </p:nvSpPr>
-        <p:spPr/>
+        <p:spPr>
+          <a:xfrm>
+            <a:off x="8379502" y="5066675"/>
+            <a:ext cx="839449" cy="489875"/>
+          </a:xfrm>
+          <a:prstGeom prst="rect">
+            <a:avLst/>
+          </a:prstGeom>
+          <a:noFill/>
+          <a:ln>
+            <a:solidFill>
+              <a:srgbClr val="FF0000"/>
+            </a:solidFill>
+          </a:ln>
+        </p:spPr>
+        <p:style>
+          <a:lnRef idx="2">
+            <a:schemeClr val="accent1">
+              <a:shade val="50000"/>
+            </a:schemeClr>
+          </a:lnRef>
+          <a:fillRef idx="1">
+            <a:schemeClr val="accent1"/>
+          </a:fillRef>
+          <a:effectRef idx="0">
+            <a:schemeClr val="accent1"/>
+          </a:effectRef>
+          <a:fontRef idx="minor">
+            <a:schemeClr val="lt1"/>
+          </a:fontRef>
+        </p:style>
         <p:txBody>
-          <a:bodyPr/>
+          <a:bodyPr rtlCol="0" anchor="ctr"/>
           <a:lstStyle/>
           <a:p>
-            <a:endParaRPr lang="ko-KR" altLang="en-US" dirty="0"/>
+            <a:pPr algn="ctr"/>
+            <a:endParaRPr lang="ko-KR" altLang="en-US"/>
+          </a:p>
+        </p:txBody>
+      </p:sp>
+      <p:sp>
+        <p:nvSpPr>
+          <p:cNvPr id="11" name="직사각형 10"/>
+          <p:cNvSpPr/>
+          <p:nvPr/>
+        </p:nvSpPr>
+        <p:spPr>
+          <a:xfrm>
+            <a:off x="8379502" y="5556550"/>
+            <a:ext cx="1648651" cy="489875"/>
+          </a:xfrm>
+          <a:prstGeom prst="rect">
+            <a:avLst/>
+          </a:prstGeom>
+          <a:noFill/>
+          <a:ln>
+            <a:solidFill>
+              <a:srgbClr val="FF0000"/>
+            </a:solidFill>
+          </a:ln>
+        </p:spPr>
+        <p:style>
+          <a:lnRef idx="2">
+            <a:schemeClr val="accent1">
+              <a:shade val="50000"/>
+            </a:schemeClr>
+          </a:lnRef>
+          <a:fillRef idx="1">
+            <a:schemeClr val="accent1"/>
+          </a:fillRef>
+          <a:effectRef idx="0">
+            <a:schemeClr val="accent1"/>
+          </a:effectRef>
+          <a:fontRef idx="minor">
+            <a:schemeClr val="lt1"/>
+          </a:fontRef>
+        </p:style>
+        <p:txBody>
+          <a:bodyPr rtlCol="0" anchor="ctr"/>
+          <a:lstStyle/>
+          <a:p>
+            <a:pPr algn="ctr"/>
+            <a:endParaRPr lang="ko-KR" altLang="en-US"/>
+          </a:p>
+        </p:txBody>
+      </p:sp>
+      <p:sp>
+        <p:nvSpPr>
+          <p:cNvPr id="12" name="직사각형 11"/>
+          <p:cNvSpPr/>
+          <p:nvPr/>
+        </p:nvSpPr>
+        <p:spPr>
+          <a:xfrm>
+            <a:off x="3747540" y="3090435"/>
+            <a:ext cx="1514007" cy="489875"/>
+          </a:xfrm>
+          <a:prstGeom prst="rect">
+            <a:avLst/>
+          </a:prstGeom>
+          <a:noFill/>
+          <a:ln>
+            <a:solidFill>
+              <a:srgbClr val="FF0000"/>
+            </a:solidFill>
+          </a:ln>
+        </p:spPr>
+        <p:style>
+          <a:lnRef idx="2">
+            <a:schemeClr val="accent1">
+              <a:shade val="50000"/>
+            </a:schemeClr>
+          </a:lnRef>
+          <a:fillRef idx="1">
+            <a:schemeClr val="accent1"/>
+          </a:fillRef>
+          <a:effectRef idx="0">
+            <a:schemeClr val="accent1"/>
+          </a:effectRef>
+          <a:fontRef idx="minor">
+            <a:schemeClr val="lt1"/>
+          </a:fontRef>
+        </p:style>
+        <p:txBody>
+          <a:bodyPr rtlCol="0" anchor="ctr"/>
+          <a:lstStyle/>
+          <a:p>
+            <a:pPr algn="ctr"/>
+            <a:endParaRPr lang="ko-KR" altLang="en-US"/>
+          </a:p>
+        </p:txBody>
+      </p:sp>
+      <p:sp>
+        <p:nvSpPr>
+          <p:cNvPr id="13" name="직사각형 12"/>
+          <p:cNvSpPr/>
+          <p:nvPr/>
+        </p:nvSpPr>
+        <p:spPr>
+          <a:xfrm>
+            <a:off x="3747541" y="3789963"/>
+            <a:ext cx="1364106" cy="489875"/>
+          </a:xfrm>
+          <a:prstGeom prst="rect">
+            <a:avLst/>
+          </a:prstGeom>
+          <a:noFill/>
+          <a:ln>
+            <a:solidFill>
+              <a:srgbClr val="FF0000"/>
+            </a:solidFill>
+          </a:ln>
+        </p:spPr>
+        <p:style>
+          <a:lnRef idx="2">
+            <a:schemeClr val="accent1">
+              <a:shade val="50000"/>
+            </a:schemeClr>
+          </a:lnRef>
+          <a:fillRef idx="1">
+            <a:schemeClr val="accent1"/>
+          </a:fillRef>
+          <a:effectRef idx="0">
+            <a:schemeClr val="accent1"/>
+          </a:effectRef>
+          <a:fontRef idx="minor">
+            <a:schemeClr val="lt1"/>
+          </a:fontRef>
+        </p:style>
+        <p:txBody>
+          <a:bodyPr rtlCol="0" anchor="ctr"/>
+          <a:lstStyle/>
+          <a:p>
+            <a:pPr algn="ctr"/>
+            <a:endParaRPr lang="ko-KR" altLang="en-US"/>
           </a:p>
         </p:txBody>
       </p:sp>
     </p:spTree>
     <p:extLst>
       <p:ext uri="{BB962C8B-B14F-4D97-AF65-F5344CB8AC3E}">
-        <p14:creationId xmlns:p14="http://schemas.microsoft.com/office/powerpoint/2010/main" val="1795832653"/>
+        <p14:creationId xmlns:p14="http://schemas.microsoft.com/office/powerpoint/2010/main" val="3123164174"/>
       </p:ext>
     </p:extLst>
   </p:cSld>
   <p:clrMapOvr>
     <a:masterClrMapping/>
   </p:clrMapOvr>
-  <p:timing>
-    <p:tnLst>
-      <p:par>
-        <p:cTn id="1" dur="indefinite" restart="never" nodeType="tmRoot"/>
-      </p:par>
-    </p:tnLst>
-  </p:timing>
 </p:sld>
 </file>
 
@@ -5244,25 +5485,39 @@
               <a:t>– </a:t>
             </a:r>
             <a:r>
+              <a:rPr lang="en-US" altLang="ko-KR" dirty="0" err="1" smtClean="0">
+                <a:latin typeface="HY헤드라인M" panose="02030600000101010101" pitchFamily="18" charset="-127"/>
+                <a:ea typeface="HY헤드라인M" panose="02030600000101010101" pitchFamily="18" charset="-127"/>
+              </a:rPr>
+              <a:t>findall</a:t>
+            </a:r>
+            <a:r>
               <a:rPr lang="en-US" altLang="ko-KR" dirty="0" smtClean="0">
                 <a:latin typeface="HY헤드라인M" panose="02030600000101010101" pitchFamily="18" charset="-127"/>
                 <a:ea typeface="HY헤드라인M" panose="02030600000101010101" pitchFamily="18" charset="-127"/>
               </a:rPr>
-              <a:t>find()</a:t>
-            </a:r>
-            <a:r>
-              <a:rPr lang="ko-KR" altLang="en-US" dirty="0" smtClean="0">
+              <a:t>() </a:t>
+            </a:r>
+            <a:r>
+              <a:rPr lang="en-US" altLang="ko-KR" sz="3600" dirty="0" smtClean="0">
                 <a:latin typeface="HY헤드라인M" panose="02030600000101010101" pitchFamily="18" charset="-127"/>
                 <a:ea typeface="HY헤드라인M" panose="02030600000101010101" pitchFamily="18" charset="-127"/>
               </a:rPr>
-              <a:t>와 </a:t>
-            </a:r>
-            <a:r>
-              <a:rPr lang="en-US" altLang="ko-KR" dirty="0" smtClean="0">
+              <a:t>=&gt; </a:t>
+            </a:r>
+            <a:r>
+              <a:rPr lang="ko-KR" altLang="en-US" sz="3600" dirty="0" smtClean="0">
                 <a:latin typeface="HY헤드라인M" panose="02030600000101010101" pitchFamily="18" charset="-127"/>
                 <a:ea typeface="HY헤드라인M" panose="02030600000101010101" pitchFamily="18" charset="-127"/>
               </a:rPr>
-              <a:t>re.search()</a:t>
+              <a:t>정규식은 욕심쟁이</a:t>
+            </a:r>
+            <a:r>
+              <a:rPr lang="en-US" altLang="ko-KR" sz="3600" dirty="0" smtClean="0">
+                <a:latin typeface="HY헤드라인M" panose="02030600000101010101" pitchFamily="18" charset="-127"/>
+                <a:ea typeface="HY헤드라인M" panose="02030600000101010101" pitchFamily="18" charset="-127"/>
+              </a:rPr>
+              <a:t>!</a:t>
             </a:r>
             <a:endParaRPr lang="ko-KR" altLang="en-US" dirty="0">
               <a:latin typeface="HY헤드라인M" panose="02030600000101010101" pitchFamily="18" charset="-127"/>
@@ -5437,20 +5692,229 @@
           <a:bodyPr/>
           <a:lstStyle/>
           <a:p>
+            <a:r>
+              <a:rPr lang="en-US" altLang="ko-KR" dirty="0" smtClean="0"/>
+              <a:t>Repeat characters(*</a:t>
+            </a:r>
+            <a:r>
+              <a:rPr lang="ko-KR" altLang="en-US" dirty="0" smtClean="0"/>
+              <a:t>과 </a:t>
+            </a:r>
+            <a:r>
+              <a:rPr lang="en-US" altLang="ko-KR" dirty="0" smtClean="0"/>
+              <a:t>+)</a:t>
+            </a:r>
+            <a:r>
+              <a:rPr lang="ko-KR" altLang="en-US" dirty="0" smtClean="0"/>
+              <a:t>는 가장 길게 매칭되는 경우를 검색</a:t>
+            </a:r>
             <a:endParaRPr lang="ko-KR" altLang="en-US" dirty="0"/>
           </a:p>
         </p:txBody>
       </p:sp>
+      <p:pic>
+        <p:nvPicPr>
+          <p:cNvPr id="5" name="그림 4"/>
+          <p:cNvPicPr>
+            <a:picLocks noChangeAspect="1"/>
+          </p:cNvPicPr>
+          <p:nvPr/>
+        </p:nvPicPr>
+        <p:blipFill>
+          <a:blip r:embed="rId2"/>
+          <a:stretch>
+            <a:fillRect/>
+          </a:stretch>
+        </p:blipFill>
+        <p:spPr>
+          <a:xfrm>
+            <a:off x="1027529" y="2708548"/>
+            <a:ext cx="6439656" cy="2013353"/>
+          </a:xfrm>
+          <a:prstGeom prst="rect">
+            <a:avLst/>
+          </a:prstGeom>
+          <a:ln w="38100" cap="sq">
+            <a:solidFill>
+              <a:srgbClr val="000000"/>
+            </a:solidFill>
+            <a:prstDash val="solid"/>
+            <a:miter lim="800000"/>
+          </a:ln>
+          <a:effectLst>
+            <a:outerShdw blurRad="50800" dist="38100" dir="2700000" algn="tl" rotWithShape="0">
+              <a:srgbClr val="000000">
+                <a:alpha val="43000"/>
+              </a:srgbClr>
+            </a:outerShdw>
+          </a:effectLst>
+        </p:spPr>
+      </p:pic>
+      <p:grpSp>
+        <p:nvGrpSpPr>
+          <p:cNvPr id="9" name="그룹 8"/>
+          <p:cNvGrpSpPr/>
+          <p:nvPr/>
+        </p:nvGrpSpPr>
+        <p:grpSpPr>
+          <a:xfrm>
+            <a:off x="7886214" y="2708548"/>
+            <a:ext cx="3928621" cy="2247110"/>
+            <a:chOff x="7886214" y="2708548"/>
+            <a:chExt cx="3928621" cy="2247110"/>
+          </a:xfrm>
+        </p:grpSpPr>
+        <p:pic>
+          <p:nvPicPr>
+            <p:cNvPr id="6" name="그림 5"/>
+            <p:cNvPicPr>
+              <a:picLocks noChangeAspect="1"/>
+            </p:cNvPicPr>
+            <p:nvPr/>
+          </p:nvPicPr>
+          <p:blipFill>
+            <a:blip r:embed="rId3"/>
+            <a:stretch>
+              <a:fillRect/>
+            </a:stretch>
+          </p:blipFill>
+          <p:spPr>
+            <a:xfrm>
+              <a:off x="7886214" y="2708548"/>
+              <a:ext cx="3928621" cy="2247110"/>
+            </a:xfrm>
+            <a:prstGeom prst="rect">
+              <a:avLst/>
+            </a:prstGeom>
+          </p:spPr>
+        </p:pic>
+        <p:sp>
+          <p:nvSpPr>
+            <p:cNvPr id="8" name="직사각형 7"/>
+            <p:cNvSpPr/>
+            <p:nvPr/>
+          </p:nvSpPr>
+          <p:spPr>
+            <a:xfrm>
+              <a:off x="7886214" y="3072984"/>
+              <a:ext cx="1062914" cy="961917"/>
+            </a:xfrm>
+            <a:prstGeom prst="rect">
+              <a:avLst/>
+            </a:prstGeom>
+            <a:solidFill>
+              <a:schemeClr val="tx1"/>
+            </a:solidFill>
+            <a:ln>
+              <a:solidFill>
+                <a:schemeClr val="tx1"/>
+              </a:solidFill>
+            </a:ln>
+          </p:spPr>
+          <p:style>
+            <a:lnRef idx="2">
+              <a:schemeClr val="accent1">
+                <a:shade val="50000"/>
+              </a:schemeClr>
+            </a:lnRef>
+            <a:fillRef idx="1">
+              <a:schemeClr val="accent1"/>
+            </a:fillRef>
+            <a:effectRef idx="0">
+              <a:schemeClr val="accent1"/>
+            </a:effectRef>
+            <a:fontRef idx="minor">
+              <a:schemeClr val="lt1"/>
+            </a:fontRef>
+          </p:style>
+          <p:txBody>
+            <a:bodyPr rtlCol="0" anchor="ctr"/>
+            <a:lstStyle/>
+            <a:p>
+              <a:pPr algn="ctr"/>
+              <a:endParaRPr lang="ko-KR" altLang="en-US"/>
+            </a:p>
+          </p:txBody>
+        </p:sp>
+      </p:grpSp>
+      <p:pic>
+        <p:nvPicPr>
+          <p:cNvPr id="11" name="그림 10"/>
+          <p:cNvPicPr>
+            <a:picLocks noChangeAspect="1"/>
+          </p:cNvPicPr>
+          <p:nvPr/>
+        </p:nvPicPr>
+        <p:blipFill>
+          <a:blip r:embed="rId4"/>
+          <a:stretch>
+            <a:fillRect/>
+          </a:stretch>
+        </p:blipFill>
+        <p:spPr>
+          <a:xfrm>
+            <a:off x="1027528" y="5666546"/>
+            <a:ext cx="4374499" cy="792878"/>
+          </a:xfrm>
+          <a:prstGeom prst="rect">
+            <a:avLst/>
+          </a:prstGeom>
+        </p:spPr>
+      </p:pic>
+      <p:pic>
+        <p:nvPicPr>
+          <p:cNvPr id="12" name="그림 11"/>
+          <p:cNvPicPr>
+            <a:picLocks noChangeAspect="1"/>
+          </p:cNvPicPr>
+          <p:nvPr/>
+        </p:nvPicPr>
+        <p:blipFill rotWithShape="1">
+          <a:blip r:embed="rId5"/>
+          <a:srcRect t="14179" r="6235" b="15982"/>
+          <a:stretch/>
+        </p:blipFill>
+        <p:spPr>
+          <a:xfrm>
+            <a:off x="1027528" y="5025397"/>
+            <a:ext cx="5900529" cy="464695"/>
+          </a:xfrm>
+          <a:prstGeom prst="rect">
+            <a:avLst/>
+          </a:prstGeom>
+          <a:ln w="38100" cap="sq">
+            <a:solidFill>
+              <a:srgbClr val="000000"/>
+            </a:solidFill>
+            <a:prstDash val="solid"/>
+            <a:miter lim="800000"/>
+          </a:ln>
+          <a:effectLst>
+            <a:outerShdw blurRad="50800" dist="38100" dir="2700000" algn="tl" rotWithShape="0">
+              <a:srgbClr val="000000">
+                <a:alpha val="43000"/>
+              </a:srgbClr>
+            </a:outerShdw>
+          </a:effectLst>
+        </p:spPr>
+      </p:pic>
     </p:spTree>
     <p:extLst>
       <p:ext uri="{BB962C8B-B14F-4D97-AF65-F5344CB8AC3E}">
-        <p14:creationId xmlns:p14="http://schemas.microsoft.com/office/powerpoint/2010/main" val="4014044332"/>
+        <p14:creationId xmlns:p14="http://schemas.microsoft.com/office/powerpoint/2010/main" val="1795832653"/>
       </p:ext>
     </p:extLst>
   </p:cSld>
   <p:clrMapOvr>
     <a:masterClrMapping/>
   </p:clrMapOvr>
+  <p:timing>
+    <p:tnLst>
+      <p:par>
+        <p:cTn id="1" dur="indefinite" restart="never" nodeType="tmRoot"/>
+      </p:par>
+    </p:tnLst>
+  </p:timing>
 </p:sld>
 </file>
 
@@ -5508,27 +5972,48 @@
               <a:t>– </a:t>
             </a:r>
             <a:r>
+              <a:rPr lang="en-US" altLang="ko-KR" dirty="0" err="1" smtClean="0">
+                <a:latin typeface="HY헤드라인M" panose="02030600000101010101" pitchFamily="18" charset="-127"/>
+                <a:ea typeface="HY헤드라인M" panose="02030600000101010101" pitchFamily="18" charset="-127"/>
+              </a:rPr>
+              <a:t>findall</a:t>
+            </a:r>
+            <a:r>
               <a:rPr lang="en-US" altLang="ko-KR" dirty="0" smtClean="0">
                 <a:latin typeface="HY헤드라인M" panose="02030600000101010101" pitchFamily="18" charset="-127"/>
                 <a:ea typeface="HY헤드라인M" panose="02030600000101010101" pitchFamily="18" charset="-127"/>
               </a:rPr>
-              <a:t>find()</a:t>
-            </a:r>
-            <a:r>
-              <a:rPr lang="ko-KR" altLang="en-US" dirty="0" smtClean="0">
+              <a:t>() </a:t>
+            </a:r>
+            <a:r>
+              <a:rPr lang="en-US" altLang="ko-KR" sz="3200" dirty="0" smtClean="0">
                 <a:latin typeface="HY헤드라인M" panose="02030600000101010101" pitchFamily="18" charset="-127"/>
                 <a:ea typeface="HY헤드라인M" panose="02030600000101010101" pitchFamily="18" charset="-127"/>
               </a:rPr>
-              <a:t>와 </a:t>
-            </a:r>
-            <a:r>
-              <a:rPr lang="en-US" altLang="ko-KR" dirty="0" smtClean="0">
+              <a:t>=&gt; </a:t>
+            </a:r>
+            <a:r>
+              <a:rPr lang="ko-KR" altLang="en-US" sz="3200" dirty="0" smtClean="0">
                 <a:latin typeface="HY헤드라인M" panose="02030600000101010101" pitchFamily="18" charset="-127"/>
                 <a:ea typeface="HY헤드라인M" panose="02030600000101010101" pitchFamily="18" charset="-127"/>
               </a:rPr>
-              <a:t>re.search()</a:t>
-            </a:r>
-            <a:endParaRPr lang="ko-KR" altLang="en-US" dirty="0">
+              <a:t>짧게도 </a:t>
+            </a:r>
+            <a:r>
+              <a:rPr lang="ko-KR" altLang="en-US" sz="3200" dirty="0" err="1" smtClean="0">
+                <a:latin typeface="HY헤드라인M" panose="02030600000101010101" pitchFamily="18" charset="-127"/>
+                <a:ea typeface="HY헤드라인M" panose="02030600000101010101" pitchFamily="18" charset="-127"/>
+              </a:rPr>
+              <a:t>정규식도</a:t>
+            </a:r>
+            <a:r>
+              <a:rPr lang="ko-KR" altLang="en-US" sz="3200" dirty="0" smtClean="0">
+                <a:latin typeface="HY헤드라인M" panose="02030600000101010101" pitchFamily="18" charset="-127"/>
+                <a:ea typeface="HY헤드라인M" panose="02030600000101010101" pitchFamily="18" charset="-127"/>
+              </a:rPr>
+              <a:t> 가능</a:t>
+            </a:r>
+            <a:endParaRPr lang="ko-KR" altLang="en-US" sz="3200" dirty="0">
               <a:latin typeface="HY헤드라인M" panose="02030600000101010101" pitchFamily="18" charset="-127"/>
               <a:ea typeface="HY헤드라인M" panose="02030600000101010101" pitchFamily="18" charset="-127"/>
             </a:endParaRPr>
@@ -5701,14 +6186,207 @@
           <a:bodyPr/>
           <a:lstStyle/>
           <a:p>
+            <a:r>
+              <a:rPr lang="en-US" altLang="ko-KR" dirty="0" smtClean="0"/>
+              <a:t>?</a:t>
+            </a:r>
+            <a:r>
+              <a:rPr lang="ko-KR" altLang="en-US" dirty="0" smtClean="0"/>
+              <a:t>를 붙여주면 욕심을 버릴 수 있음</a:t>
+            </a:r>
+            <a:endParaRPr lang="en-US" altLang="ko-KR" dirty="0" smtClean="0"/>
+          </a:p>
+          <a:p>
+            <a:r>
+              <a:rPr lang="en-US" altLang="ko-KR" dirty="0" smtClean="0"/>
+              <a:t>?</a:t>
+            </a:r>
+            <a:r>
+              <a:rPr lang="ko-KR" altLang="en-US" dirty="0" smtClean="0"/>
+              <a:t>가 붙은 </a:t>
+            </a:r>
+            <a:r>
+              <a:rPr lang="ko-KR" altLang="en-US" dirty="0" err="1" smtClean="0"/>
+              <a:t>반복문은</a:t>
+            </a:r>
+            <a:r>
+              <a:rPr lang="ko-KR" altLang="en-US" dirty="0" smtClean="0"/>
+              <a:t> 가장 짧은 경우를 검색</a:t>
+            </a:r>
+            <a:r>
+              <a:rPr lang="en-US" altLang="ko-KR" dirty="0" smtClean="0"/>
+              <a:t>.</a:t>
+            </a:r>
             <a:endParaRPr lang="ko-KR" altLang="en-US" dirty="0"/>
           </a:p>
         </p:txBody>
       </p:sp>
+      <p:pic>
+        <p:nvPicPr>
+          <p:cNvPr id="5" name="그림 4"/>
+          <p:cNvPicPr>
+            <a:picLocks noChangeAspect="1"/>
+          </p:cNvPicPr>
+          <p:nvPr/>
+        </p:nvPicPr>
+        <p:blipFill>
+          <a:blip r:embed="rId2"/>
+          <a:stretch>
+            <a:fillRect/>
+          </a:stretch>
+        </p:blipFill>
+        <p:spPr>
+          <a:xfrm>
+            <a:off x="1007073" y="3090435"/>
+            <a:ext cx="5967577" cy="1946260"/>
+          </a:xfrm>
+          <a:prstGeom prst="rect">
+            <a:avLst/>
+          </a:prstGeom>
+          <a:ln w="38100" cap="sq">
+            <a:solidFill>
+              <a:srgbClr val="000000"/>
+            </a:solidFill>
+            <a:prstDash val="solid"/>
+            <a:miter lim="800000"/>
+          </a:ln>
+          <a:effectLst>
+            <a:outerShdw blurRad="50800" dist="38100" dir="2700000" algn="tl" rotWithShape="0">
+              <a:srgbClr val="000000">
+                <a:alpha val="43000"/>
+              </a:srgbClr>
+            </a:outerShdw>
+          </a:effectLst>
+        </p:spPr>
+      </p:pic>
+      <p:pic>
+        <p:nvPicPr>
+          <p:cNvPr id="6" name="그림 5"/>
+          <p:cNvPicPr>
+            <a:picLocks noChangeAspect="1"/>
+          </p:cNvPicPr>
+          <p:nvPr/>
+        </p:nvPicPr>
+        <p:blipFill rotWithShape="1">
+          <a:blip r:embed="rId3"/>
+          <a:srcRect t="18884" b="12930"/>
+          <a:stretch/>
+        </p:blipFill>
+        <p:spPr>
+          <a:xfrm>
+            <a:off x="1007073" y="5606321"/>
+            <a:ext cx="2009954" cy="479686"/>
+          </a:xfrm>
+          <a:prstGeom prst="rect">
+            <a:avLst/>
+          </a:prstGeom>
+          <a:ln w="38100" cap="sq">
+            <a:solidFill>
+              <a:srgbClr val="000000"/>
+            </a:solidFill>
+            <a:prstDash val="solid"/>
+            <a:miter lim="800000"/>
+          </a:ln>
+          <a:effectLst>
+            <a:outerShdw blurRad="50800" dist="38100" dir="2700000" algn="tl" rotWithShape="0">
+              <a:srgbClr val="000000">
+                <a:alpha val="43000"/>
+              </a:srgbClr>
+            </a:outerShdw>
+          </a:effectLst>
+        </p:spPr>
+      </p:pic>
+      <p:grpSp>
+        <p:nvGrpSpPr>
+          <p:cNvPr id="11" name="그룹 10"/>
+          <p:cNvGrpSpPr/>
+          <p:nvPr/>
+        </p:nvGrpSpPr>
+        <p:grpSpPr>
+          <a:xfrm>
+            <a:off x="7375161" y="3016251"/>
+            <a:ext cx="4209156" cy="2642250"/>
+            <a:chOff x="7375161" y="3016251"/>
+            <a:chExt cx="4209156" cy="2642250"/>
+          </a:xfrm>
+        </p:grpSpPr>
+        <p:pic>
+          <p:nvPicPr>
+            <p:cNvPr id="8" name="그림 7"/>
+            <p:cNvPicPr>
+              <a:picLocks noChangeAspect="1"/>
+            </p:cNvPicPr>
+            <p:nvPr/>
+          </p:nvPicPr>
+          <p:blipFill>
+            <a:blip r:embed="rId4"/>
+            <a:stretch>
+              <a:fillRect/>
+            </a:stretch>
+          </p:blipFill>
+          <p:spPr>
+            <a:xfrm>
+              <a:off x="7381134" y="3016251"/>
+              <a:ext cx="4203183" cy="2642250"/>
+            </a:xfrm>
+            <a:prstGeom prst="rect">
+              <a:avLst/>
+            </a:prstGeom>
+          </p:spPr>
+        </p:pic>
+        <p:sp>
+          <p:nvSpPr>
+            <p:cNvPr id="9" name="직사각형 8"/>
+            <p:cNvSpPr/>
+            <p:nvPr/>
+          </p:nvSpPr>
+          <p:spPr>
+            <a:xfrm>
+              <a:off x="7375161" y="3016251"/>
+              <a:ext cx="1049311" cy="1465808"/>
+            </a:xfrm>
+            <a:prstGeom prst="rect">
+              <a:avLst/>
+            </a:prstGeom>
+            <a:solidFill>
+              <a:schemeClr val="tx1"/>
+            </a:solidFill>
+            <a:ln>
+              <a:solidFill>
+                <a:schemeClr val="tx1"/>
+              </a:solidFill>
+            </a:ln>
+          </p:spPr>
+          <p:style>
+            <a:lnRef idx="2">
+              <a:schemeClr val="accent1">
+                <a:shade val="50000"/>
+              </a:schemeClr>
+            </a:lnRef>
+            <a:fillRef idx="1">
+              <a:schemeClr val="accent1"/>
+            </a:fillRef>
+            <a:effectRef idx="0">
+              <a:schemeClr val="accent1"/>
+            </a:effectRef>
+            <a:fontRef idx="minor">
+              <a:schemeClr val="lt1"/>
+            </a:fontRef>
+          </p:style>
+          <p:txBody>
+            <a:bodyPr rtlCol="0" anchor="ctr"/>
+            <a:lstStyle/>
+            <a:p>
+              <a:pPr algn="ctr"/>
+              <a:endParaRPr lang="ko-KR" altLang="en-US"/>
+            </a:p>
+          </p:txBody>
+        </p:sp>
+      </p:grpSp>
     </p:spTree>
     <p:extLst>
       <p:ext uri="{BB962C8B-B14F-4D97-AF65-F5344CB8AC3E}">
-        <p14:creationId xmlns:p14="http://schemas.microsoft.com/office/powerpoint/2010/main" val="2379501091"/>
+        <p14:creationId xmlns:p14="http://schemas.microsoft.com/office/powerpoint/2010/main" val="4014044332"/>
       </p:ext>
     </p:extLst>
   </p:cSld>
@@ -5772,25 +6450,11 @@
               <a:t>– </a:t>
             </a:r>
             <a:r>
-              <a:rPr lang="en-US" altLang="ko-KR" dirty="0" smtClean="0">
-                <a:latin typeface="HY헤드라인M" panose="02030600000101010101" pitchFamily="18" charset="-127"/>
-                <a:ea typeface="HY헤드라인M" panose="02030600000101010101" pitchFamily="18" charset="-127"/>
-              </a:rPr>
-              <a:t>find()</a:t>
-            </a:r>
-            <a:r>
               <a:rPr lang="ko-KR" altLang="en-US" dirty="0" smtClean="0">
                 <a:latin typeface="HY헤드라인M" panose="02030600000101010101" pitchFamily="18" charset="-127"/>
                 <a:ea typeface="HY헤드라인M" panose="02030600000101010101" pitchFamily="18" charset="-127"/>
               </a:rPr>
-              <a:t>와 </a:t>
-            </a:r>
-            <a:r>
-              <a:rPr lang="en-US" altLang="ko-KR" dirty="0" smtClean="0">
-                <a:latin typeface="HY헤드라인M" panose="02030600000101010101" pitchFamily="18" charset="-127"/>
-                <a:ea typeface="HY헤드라인M" panose="02030600000101010101" pitchFamily="18" charset="-127"/>
-              </a:rPr>
-              <a:t>re.search()</a:t>
+              <a:t>더 섬세한 문자열 추출</a:t>
             </a:r>
             <a:endParaRPr lang="ko-KR" altLang="en-US" dirty="0">
               <a:latin typeface="HY헤드라인M" panose="02030600000101010101" pitchFamily="18" charset="-127"/>
@@ -5968,8 +6632,8 @@
         </p:blipFill>
         <p:spPr>
           <a:xfrm>
-            <a:off x="838200" y="2012782"/>
-            <a:ext cx="7721184" cy="2578228"/>
+            <a:off x="838199" y="2012782"/>
+            <a:ext cx="9784425" cy="1839690"/>
           </a:xfrm>
           <a:prstGeom prst="rect">
             <a:avLst/>
@@ -6000,13 +6664,13 @@
         </p:nvPicPr>
         <p:blipFill rotWithShape="1">
           <a:blip r:embed="rId3"/>
-          <a:srcRect b="14641"/>
+          <a:srcRect b="16280"/>
           <a:stretch/>
         </p:blipFill>
         <p:spPr>
           <a:xfrm>
-            <a:off x="838200" y="5206974"/>
-            <a:ext cx="9009803" cy="699152"/>
+            <a:off x="838199" y="4156254"/>
+            <a:ext cx="7759611" cy="655589"/>
           </a:xfrm>
           <a:prstGeom prst="rect">
             <a:avLst/>
@@ -6027,194 +6691,34 @@
           </a:effectLst>
         </p:spPr>
       </p:pic>
-      <p:sp>
-        <p:nvSpPr>
-          <p:cNvPr id="8" name="직사각형 7"/>
-          <p:cNvSpPr/>
-          <p:nvPr/>
-        </p:nvSpPr>
+      <p:pic>
+        <p:nvPicPr>
+          <p:cNvPr id="8" name="그림 7"/>
+          <p:cNvPicPr>
+            <a:picLocks noChangeAspect="1"/>
+          </p:cNvPicPr>
+          <p:nvPr/>
+        </p:nvPicPr>
+        <p:blipFill>
+          <a:blip r:embed="rId4"/>
+          <a:stretch>
+            <a:fillRect/>
+          </a:stretch>
+        </p:blipFill>
         <p:spPr>
           <a:xfrm>
-            <a:off x="8379502" y="5066675"/>
-            <a:ext cx="839449" cy="489875"/>
+            <a:off x="9084723" y="4156254"/>
+            <a:ext cx="2047875" cy="2076450"/>
           </a:xfrm>
           <a:prstGeom prst="rect">
             <a:avLst/>
           </a:prstGeom>
-          <a:noFill/>
-          <a:ln>
-            <a:solidFill>
-              <a:srgbClr val="FF0000"/>
-            </a:solidFill>
-          </a:ln>
-        </p:spPr>
-        <p:style>
-          <a:lnRef idx="2">
-            <a:schemeClr val="accent1">
-              <a:shade val="50000"/>
-            </a:schemeClr>
-          </a:lnRef>
-          <a:fillRef idx="1">
-            <a:schemeClr val="accent1"/>
-          </a:fillRef>
-          <a:effectRef idx="0">
-            <a:schemeClr val="accent1"/>
-          </a:effectRef>
-          <a:fontRef idx="minor">
-            <a:schemeClr val="lt1"/>
-          </a:fontRef>
-        </p:style>
-        <p:txBody>
-          <a:bodyPr rtlCol="0" anchor="ctr"/>
-          <a:lstStyle/>
-          <a:p>
-            <a:pPr algn="ctr"/>
-            <a:endParaRPr lang="ko-KR" altLang="en-US"/>
-          </a:p>
-        </p:txBody>
-      </p:sp>
-      <p:sp>
-        <p:nvSpPr>
-          <p:cNvPr id="11" name="직사각형 10"/>
-          <p:cNvSpPr/>
-          <p:nvPr/>
-        </p:nvSpPr>
-        <p:spPr>
-          <a:xfrm>
-            <a:off x="8379502" y="5556550"/>
-            <a:ext cx="1648651" cy="489875"/>
-          </a:xfrm>
-          <a:prstGeom prst="rect">
-            <a:avLst/>
-          </a:prstGeom>
-          <a:noFill/>
-          <a:ln>
-            <a:solidFill>
-              <a:srgbClr val="FF0000"/>
-            </a:solidFill>
-          </a:ln>
-        </p:spPr>
-        <p:style>
-          <a:lnRef idx="2">
-            <a:schemeClr val="accent1">
-              <a:shade val="50000"/>
-            </a:schemeClr>
-          </a:lnRef>
-          <a:fillRef idx="1">
-            <a:schemeClr val="accent1"/>
-          </a:fillRef>
-          <a:effectRef idx="0">
-            <a:schemeClr val="accent1"/>
-          </a:effectRef>
-          <a:fontRef idx="minor">
-            <a:schemeClr val="lt1"/>
-          </a:fontRef>
-        </p:style>
-        <p:txBody>
-          <a:bodyPr rtlCol="0" anchor="ctr"/>
-          <a:lstStyle/>
-          <a:p>
-            <a:pPr algn="ctr"/>
-            <a:endParaRPr lang="ko-KR" altLang="en-US"/>
-          </a:p>
-        </p:txBody>
-      </p:sp>
-      <p:sp>
-        <p:nvSpPr>
-          <p:cNvPr id="12" name="직사각형 11"/>
-          <p:cNvSpPr/>
-          <p:nvPr/>
-        </p:nvSpPr>
-        <p:spPr>
-          <a:xfrm>
-            <a:off x="3747540" y="3090435"/>
-            <a:ext cx="1514007" cy="489875"/>
-          </a:xfrm>
-          <a:prstGeom prst="rect">
-            <a:avLst/>
-          </a:prstGeom>
-          <a:noFill/>
-          <a:ln>
-            <a:solidFill>
-              <a:srgbClr val="FF0000"/>
-            </a:solidFill>
-          </a:ln>
-        </p:spPr>
-        <p:style>
-          <a:lnRef idx="2">
-            <a:schemeClr val="accent1">
-              <a:shade val="50000"/>
-            </a:schemeClr>
-          </a:lnRef>
-          <a:fillRef idx="1">
-            <a:schemeClr val="accent1"/>
-          </a:fillRef>
-          <a:effectRef idx="0">
-            <a:schemeClr val="accent1"/>
-          </a:effectRef>
-          <a:fontRef idx="minor">
-            <a:schemeClr val="lt1"/>
-          </a:fontRef>
-        </p:style>
-        <p:txBody>
-          <a:bodyPr rtlCol="0" anchor="ctr"/>
-          <a:lstStyle/>
-          <a:p>
-            <a:pPr algn="ctr"/>
-            <a:endParaRPr lang="ko-KR" altLang="en-US"/>
-          </a:p>
-        </p:txBody>
-      </p:sp>
-      <p:sp>
-        <p:nvSpPr>
-          <p:cNvPr id="13" name="직사각형 12"/>
-          <p:cNvSpPr/>
-          <p:nvPr/>
-        </p:nvSpPr>
-        <p:spPr>
-          <a:xfrm>
-            <a:off x="3747541" y="3789963"/>
-            <a:ext cx="1364106" cy="489875"/>
-          </a:xfrm>
-          <a:prstGeom prst="rect">
-            <a:avLst/>
-          </a:prstGeom>
-          <a:noFill/>
-          <a:ln>
-            <a:solidFill>
-              <a:srgbClr val="FF0000"/>
-            </a:solidFill>
-          </a:ln>
-        </p:spPr>
-        <p:style>
-          <a:lnRef idx="2">
-            <a:schemeClr val="accent1">
-              <a:shade val="50000"/>
-            </a:schemeClr>
-          </a:lnRef>
-          <a:fillRef idx="1">
-            <a:schemeClr val="accent1"/>
-          </a:fillRef>
-          <a:effectRef idx="0">
-            <a:schemeClr val="accent1"/>
-          </a:effectRef>
-          <a:fontRef idx="minor">
-            <a:schemeClr val="lt1"/>
-          </a:fontRef>
-        </p:style>
-        <p:txBody>
-          <a:bodyPr rtlCol="0" anchor="ctr"/>
-          <a:lstStyle/>
-          <a:p>
-            <a:pPr algn="ctr"/>
-            <a:endParaRPr lang="ko-KR" altLang="en-US"/>
-          </a:p>
-        </p:txBody>
-      </p:sp>
+        </p:spPr>
+      </p:pic>
     </p:spTree>
     <p:extLst>
       <p:ext uri="{BB962C8B-B14F-4D97-AF65-F5344CB8AC3E}">
-        <p14:creationId xmlns:p14="http://schemas.microsoft.com/office/powerpoint/2010/main" val="3123164174"/>
+        <p14:creationId xmlns:p14="http://schemas.microsoft.com/office/powerpoint/2010/main" val="2379501091"/>
       </p:ext>
     </p:extLst>
   </p:cSld>
@@ -6256,10 +6760,192 @@
           <a:bodyPr/>
           <a:lstStyle/>
           <a:p>
-            <a:endParaRPr lang="ko-KR" altLang="en-US"/>
+            <a:r>
+              <a:rPr lang="en-US" altLang="ko-KR" dirty="0" smtClean="0">
+                <a:latin typeface="HY헤드라인M" panose="02030600000101010101" pitchFamily="18" charset="-127"/>
+                <a:ea typeface="HY헤드라인M" panose="02030600000101010101" pitchFamily="18" charset="-127"/>
+              </a:rPr>
+              <a:t>1. </a:t>
+            </a:r>
+            <a:r>
+              <a:rPr lang="ko-KR" altLang="en-US" dirty="0" smtClean="0">
+                <a:latin typeface="HY헤드라인M" panose="02030600000101010101" pitchFamily="18" charset="-127"/>
+                <a:ea typeface="HY헤드라인M" panose="02030600000101010101" pitchFamily="18" charset="-127"/>
+              </a:rPr>
+              <a:t>정규식 </a:t>
+            </a:r>
+            <a:r>
+              <a:rPr lang="en-US" altLang="ko-KR" dirty="0" smtClean="0">
+                <a:latin typeface="HY헤드라인M" panose="02030600000101010101" pitchFamily="18" charset="-127"/>
+                <a:ea typeface="HY헤드라인M" panose="02030600000101010101" pitchFamily="18" charset="-127"/>
+              </a:rPr>
+              <a:t>– </a:t>
+            </a:r>
+            <a:r>
+              <a:rPr lang="ko-KR" altLang="en-US" dirty="0" smtClean="0">
+                <a:latin typeface="HY헤드라인M" panose="02030600000101010101" pitchFamily="18" charset="-127"/>
+                <a:ea typeface="HY헤드라인M" panose="02030600000101010101" pitchFamily="18" charset="-127"/>
+              </a:rPr>
+              <a:t>더 섬세한 문자열 추출</a:t>
+            </a:r>
+            <a:endParaRPr lang="ko-KR" altLang="en-US" dirty="0">
+              <a:latin typeface="HY헤드라인M" panose="02030600000101010101" pitchFamily="18" charset="-127"/>
+              <a:ea typeface="HY헤드라인M" panose="02030600000101010101" pitchFamily="18" charset="-127"/>
+            </a:endParaRPr>
           </a:p>
         </p:txBody>
       </p:sp>
+      <p:cxnSp>
+        <p:nvCxnSpPr>
+          <p:cNvPr id="4" name="직선 연결선 3"/>
+          <p:cNvCxnSpPr/>
+          <p:nvPr/>
+        </p:nvCxnSpPr>
+        <p:spPr>
+          <a:xfrm flipH="1">
+            <a:off x="124019" y="1690688"/>
+            <a:ext cx="11807569" cy="18312"/>
+          </a:xfrm>
+          <a:prstGeom prst="line">
+            <a:avLst/>
+          </a:prstGeom>
+          <a:ln w="57150">
+            <a:solidFill>
+              <a:schemeClr val="accent6">
+                <a:lumMod val="40000"/>
+                <a:lumOff val="60000"/>
+              </a:schemeClr>
+            </a:solidFill>
+          </a:ln>
+        </p:spPr>
+        <p:style>
+          <a:lnRef idx="1">
+            <a:schemeClr val="accent1"/>
+          </a:lnRef>
+          <a:fillRef idx="0">
+            <a:schemeClr val="accent1"/>
+          </a:fillRef>
+          <a:effectRef idx="0">
+            <a:schemeClr val="accent1"/>
+          </a:effectRef>
+          <a:fontRef idx="minor">
+            <a:schemeClr val="tx1"/>
+          </a:fontRef>
+        </p:style>
+      </p:cxnSp>
+      <p:cxnSp>
+        <p:nvCxnSpPr>
+          <p:cNvPr id="7" name="직선 연결선 6"/>
+          <p:cNvCxnSpPr/>
+          <p:nvPr/>
+        </p:nvCxnSpPr>
+        <p:spPr>
+          <a:xfrm flipV="1">
+            <a:off x="235123" y="290941"/>
+            <a:ext cx="380866" cy="1626636"/>
+          </a:xfrm>
+          <a:prstGeom prst="line">
+            <a:avLst/>
+          </a:prstGeom>
+          <a:ln w="57150">
+            <a:solidFill>
+              <a:schemeClr val="accent6">
+                <a:lumMod val="75000"/>
+              </a:schemeClr>
+            </a:solidFill>
+          </a:ln>
+        </p:spPr>
+        <p:style>
+          <a:lnRef idx="1">
+            <a:schemeClr val="accent1"/>
+          </a:lnRef>
+          <a:fillRef idx="0">
+            <a:schemeClr val="accent1"/>
+          </a:fillRef>
+          <a:effectRef idx="0">
+            <a:schemeClr val="accent1"/>
+          </a:effectRef>
+          <a:fontRef idx="minor">
+            <a:schemeClr val="tx1"/>
+          </a:fontRef>
+        </p:style>
+      </p:cxnSp>
+      <p:cxnSp>
+        <p:nvCxnSpPr>
+          <p:cNvPr id="10" name="직선 연결선 9"/>
+          <p:cNvCxnSpPr/>
+          <p:nvPr/>
+        </p:nvCxnSpPr>
+        <p:spPr>
+          <a:xfrm>
+            <a:off x="235123" y="1482571"/>
+            <a:ext cx="380866" cy="5104660"/>
+          </a:xfrm>
+          <a:prstGeom prst="line">
+            <a:avLst/>
+          </a:prstGeom>
+          <a:ln w="57150">
+            <a:solidFill>
+              <a:schemeClr val="accent5">
+                <a:lumMod val="60000"/>
+                <a:lumOff val="40000"/>
+              </a:schemeClr>
+            </a:solidFill>
+          </a:ln>
+        </p:spPr>
+        <p:style>
+          <a:lnRef idx="1">
+            <a:schemeClr val="accent1"/>
+          </a:lnRef>
+          <a:fillRef idx="0">
+            <a:schemeClr val="accent1"/>
+          </a:fillRef>
+          <a:effectRef idx="0">
+            <a:schemeClr val="accent1"/>
+          </a:effectRef>
+          <a:fontRef idx="minor">
+            <a:schemeClr val="tx1"/>
+          </a:fontRef>
+        </p:style>
+      </p:cxnSp>
+      <p:cxnSp>
+        <p:nvCxnSpPr>
+          <p:cNvPr id="15" name="직선 연결선 14"/>
+          <p:cNvCxnSpPr/>
+          <p:nvPr/>
+        </p:nvCxnSpPr>
+        <p:spPr>
+          <a:xfrm flipH="1" flipV="1">
+            <a:off x="11132598" y="221942"/>
+            <a:ext cx="682237" cy="1790840"/>
+          </a:xfrm>
+          <a:prstGeom prst="line">
+            <a:avLst/>
+          </a:prstGeom>
+          <a:ln w="57150">
+            <a:solidFill>
+              <a:schemeClr val="accent5">
+                <a:lumMod val="60000"/>
+                <a:lumOff val="40000"/>
+              </a:schemeClr>
+            </a:solidFill>
+          </a:ln>
+        </p:spPr>
+        <p:style>
+          <a:lnRef idx="1">
+            <a:schemeClr val="accent1"/>
+          </a:lnRef>
+          <a:fillRef idx="0">
+            <a:schemeClr val="accent1"/>
+          </a:fillRef>
+          <a:effectRef idx="0">
+            <a:schemeClr val="accent1"/>
+          </a:effectRef>
+          <a:fontRef idx="minor">
+            <a:schemeClr val="tx1"/>
+          </a:fontRef>
+        </p:style>
+      </p:cxnSp>
       <p:sp>
         <p:nvSpPr>
           <p:cNvPr id="3" name="내용 개체 틀 2"/>
@@ -6275,14 +6961,395 @@
           <a:bodyPr/>
           <a:lstStyle/>
           <a:p>
-            <a:endParaRPr lang="ko-KR" altLang="en-US"/>
+            <a:r>
+              <a:rPr lang="ko-KR" altLang="en-US" dirty="0" smtClean="0"/>
+              <a:t>괄호는 매칭에 비포함</a:t>
+            </a:r>
+            <a:endParaRPr lang="en-US" altLang="ko-KR" dirty="0" smtClean="0"/>
+          </a:p>
+          <a:p>
+            <a:r>
+              <a:rPr lang="ko-KR" altLang="en-US" dirty="0" smtClean="0"/>
+              <a:t>추출될 문자열의 시작 지점과 끝 지점을 지정하는 역할</a:t>
+            </a:r>
+            <a:endParaRPr lang="ko-KR" altLang="en-US" dirty="0"/>
           </a:p>
         </p:txBody>
       </p:sp>
+      <p:pic>
+        <p:nvPicPr>
+          <p:cNvPr id="6" name="그림 5"/>
+          <p:cNvPicPr>
+            <a:picLocks noChangeAspect="1"/>
+          </p:cNvPicPr>
+          <p:nvPr/>
+        </p:nvPicPr>
+        <p:blipFill>
+          <a:blip r:embed="rId2"/>
+          <a:stretch>
+            <a:fillRect/>
+          </a:stretch>
+        </p:blipFill>
+        <p:spPr>
+          <a:xfrm>
+            <a:off x="964991" y="3108747"/>
+            <a:ext cx="9519549" cy="2497574"/>
+          </a:xfrm>
+          <a:prstGeom prst="rect">
+            <a:avLst/>
+          </a:prstGeom>
+          <a:ln w="38100" cap="sq">
+            <a:solidFill>
+              <a:srgbClr val="000000"/>
+            </a:solidFill>
+            <a:prstDash val="solid"/>
+            <a:miter lim="800000"/>
+          </a:ln>
+          <a:effectLst>
+            <a:outerShdw blurRad="50800" dist="38100" dir="2700000" algn="tl" rotWithShape="0">
+              <a:srgbClr val="000000">
+                <a:alpha val="43000"/>
+              </a:srgbClr>
+            </a:outerShdw>
+          </a:effectLst>
+        </p:spPr>
+      </p:pic>
     </p:spTree>
     <p:extLst>
       <p:ext uri="{BB962C8B-B14F-4D97-AF65-F5344CB8AC3E}">
-        <p14:creationId xmlns:p14="http://schemas.microsoft.com/office/powerpoint/2010/main" val="935235381"/>
+        <p14:creationId xmlns:p14="http://schemas.microsoft.com/office/powerpoint/2010/main" val="1744835373"/>
+      </p:ext>
+    </p:extLst>
+  </p:cSld>
+  <p:clrMapOvr>
+    <a:masterClrMapping/>
+  </p:clrMapOvr>
+</p:sld>
+</file>
+
+<file path=ppt/slides/slide19.xml><?xml version="1.0" encoding="utf-8"?>
+<p:sld xmlns:a="http://schemas.openxmlformats.org/drawingml/2006/main" xmlns:r="http://schemas.openxmlformats.org/officeDocument/2006/relationships" xmlns:p="http://schemas.openxmlformats.org/presentationml/2006/main">
+  <p:cSld>
+    <p:spTree>
+      <p:nvGrpSpPr>
+        <p:cNvPr id="1" name=""/>
+        <p:cNvGrpSpPr/>
+        <p:nvPr/>
+      </p:nvGrpSpPr>
+      <p:grpSpPr>
+        <a:xfrm>
+          <a:off x="0" y="0"/>
+          <a:ext cx="0" cy="0"/>
+          <a:chOff x="0" y="0"/>
+          <a:chExt cx="0" cy="0"/>
+        </a:xfrm>
+      </p:grpSpPr>
+      <p:sp>
+        <p:nvSpPr>
+          <p:cNvPr id="2" name="제목 1"/>
+          <p:cNvSpPr>
+            <a:spLocks noGrp="1"/>
+          </p:cNvSpPr>
+          <p:nvPr>
+            <p:ph type="title"/>
+          </p:nvPr>
+        </p:nvSpPr>
+        <p:spPr/>
+        <p:txBody>
+          <a:bodyPr/>
+          <a:lstStyle/>
+          <a:p>
+            <a:r>
+              <a:rPr lang="en-US" altLang="ko-KR" dirty="0" smtClean="0">
+                <a:latin typeface="HY헤드라인M" panose="02030600000101010101" pitchFamily="18" charset="-127"/>
+                <a:ea typeface="HY헤드라인M" panose="02030600000101010101" pitchFamily="18" charset="-127"/>
+              </a:rPr>
+              <a:t>1. </a:t>
+            </a:r>
+            <a:r>
+              <a:rPr lang="ko-KR" altLang="en-US" dirty="0" smtClean="0">
+                <a:latin typeface="HY헤드라인M" panose="02030600000101010101" pitchFamily="18" charset="-127"/>
+                <a:ea typeface="HY헤드라인M" panose="02030600000101010101" pitchFamily="18" charset="-127"/>
+              </a:rPr>
+              <a:t>정규식 </a:t>
+            </a:r>
+            <a:r>
+              <a:rPr lang="en-US" altLang="ko-KR" dirty="0" smtClean="0">
+                <a:latin typeface="HY헤드라인M" panose="02030600000101010101" pitchFamily="18" charset="-127"/>
+                <a:ea typeface="HY헤드라인M" panose="02030600000101010101" pitchFamily="18" charset="-127"/>
+              </a:rPr>
+              <a:t>- </a:t>
+            </a:r>
+            <a:r>
+              <a:rPr lang="ko-KR" altLang="en-US" dirty="0" smtClean="0">
+                <a:latin typeface="HY헤드라인M" panose="02030600000101010101" pitchFamily="18" charset="-127"/>
+                <a:ea typeface="HY헤드라인M" panose="02030600000101010101" pitchFamily="18" charset="-127"/>
+              </a:rPr>
+              <a:t>예시</a:t>
+            </a:r>
+            <a:endParaRPr lang="ko-KR" altLang="en-US" dirty="0">
+              <a:latin typeface="HY헤드라인M" panose="02030600000101010101" pitchFamily="18" charset="-127"/>
+              <a:ea typeface="HY헤드라인M" panose="02030600000101010101" pitchFamily="18" charset="-127"/>
+            </a:endParaRPr>
+          </a:p>
+        </p:txBody>
+      </p:sp>
+      <p:cxnSp>
+        <p:nvCxnSpPr>
+          <p:cNvPr id="4" name="직선 연결선 3"/>
+          <p:cNvCxnSpPr/>
+          <p:nvPr/>
+        </p:nvCxnSpPr>
+        <p:spPr>
+          <a:xfrm flipH="1">
+            <a:off x="124019" y="1690688"/>
+            <a:ext cx="11807569" cy="18312"/>
+          </a:xfrm>
+          <a:prstGeom prst="line">
+            <a:avLst/>
+          </a:prstGeom>
+          <a:ln w="57150">
+            <a:solidFill>
+              <a:schemeClr val="accent6">
+                <a:lumMod val="40000"/>
+                <a:lumOff val="60000"/>
+              </a:schemeClr>
+            </a:solidFill>
+          </a:ln>
+        </p:spPr>
+        <p:style>
+          <a:lnRef idx="1">
+            <a:schemeClr val="accent1"/>
+          </a:lnRef>
+          <a:fillRef idx="0">
+            <a:schemeClr val="accent1"/>
+          </a:fillRef>
+          <a:effectRef idx="0">
+            <a:schemeClr val="accent1"/>
+          </a:effectRef>
+          <a:fontRef idx="minor">
+            <a:schemeClr val="tx1"/>
+          </a:fontRef>
+        </p:style>
+      </p:cxnSp>
+      <p:cxnSp>
+        <p:nvCxnSpPr>
+          <p:cNvPr id="7" name="직선 연결선 6"/>
+          <p:cNvCxnSpPr/>
+          <p:nvPr/>
+        </p:nvCxnSpPr>
+        <p:spPr>
+          <a:xfrm flipV="1">
+            <a:off x="235123" y="290941"/>
+            <a:ext cx="380866" cy="1626636"/>
+          </a:xfrm>
+          <a:prstGeom prst="line">
+            <a:avLst/>
+          </a:prstGeom>
+          <a:ln w="57150">
+            <a:solidFill>
+              <a:schemeClr val="accent6">
+                <a:lumMod val="75000"/>
+              </a:schemeClr>
+            </a:solidFill>
+          </a:ln>
+        </p:spPr>
+        <p:style>
+          <a:lnRef idx="1">
+            <a:schemeClr val="accent1"/>
+          </a:lnRef>
+          <a:fillRef idx="0">
+            <a:schemeClr val="accent1"/>
+          </a:fillRef>
+          <a:effectRef idx="0">
+            <a:schemeClr val="accent1"/>
+          </a:effectRef>
+          <a:fontRef idx="minor">
+            <a:schemeClr val="tx1"/>
+          </a:fontRef>
+        </p:style>
+      </p:cxnSp>
+      <p:cxnSp>
+        <p:nvCxnSpPr>
+          <p:cNvPr id="10" name="직선 연결선 9"/>
+          <p:cNvCxnSpPr/>
+          <p:nvPr/>
+        </p:nvCxnSpPr>
+        <p:spPr>
+          <a:xfrm>
+            <a:off x="235123" y="1482571"/>
+            <a:ext cx="380866" cy="5104660"/>
+          </a:xfrm>
+          <a:prstGeom prst="line">
+            <a:avLst/>
+          </a:prstGeom>
+          <a:ln w="57150">
+            <a:solidFill>
+              <a:schemeClr val="accent5">
+                <a:lumMod val="60000"/>
+                <a:lumOff val="40000"/>
+              </a:schemeClr>
+            </a:solidFill>
+          </a:ln>
+        </p:spPr>
+        <p:style>
+          <a:lnRef idx="1">
+            <a:schemeClr val="accent1"/>
+          </a:lnRef>
+          <a:fillRef idx="0">
+            <a:schemeClr val="accent1"/>
+          </a:fillRef>
+          <a:effectRef idx="0">
+            <a:schemeClr val="accent1"/>
+          </a:effectRef>
+          <a:fontRef idx="minor">
+            <a:schemeClr val="tx1"/>
+          </a:fontRef>
+        </p:style>
+      </p:cxnSp>
+      <p:cxnSp>
+        <p:nvCxnSpPr>
+          <p:cNvPr id="15" name="직선 연결선 14"/>
+          <p:cNvCxnSpPr/>
+          <p:nvPr/>
+        </p:nvCxnSpPr>
+        <p:spPr>
+          <a:xfrm flipH="1" flipV="1">
+            <a:off x="11132598" y="221942"/>
+            <a:ext cx="682237" cy="1790840"/>
+          </a:xfrm>
+          <a:prstGeom prst="line">
+            <a:avLst/>
+          </a:prstGeom>
+          <a:ln w="57150">
+            <a:solidFill>
+              <a:schemeClr val="accent5">
+                <a:lumMod val="60000"/>
+                <a:lumOff val="40000"/>
+              </a:schemeClr>
+            </a:solidFill>
+          </a:ln>
+        </p:spPr>
+        <p:style>
+          <a:lnRef idx="1">
+            <a:schemeClr val="accent1"/>
+          </a:lnRef>
+          <a:fillRef idx="0">
+            <a:schemeClr val="accent1"/>
+          </a:fillRef>
+          <a:effectRef idx="0">
+            <a:schemeClr val="accent1"/>
+          </a:effectRef>
+          <a:fontRef idx="minor">
+            <a:schemeClr val="tx1"/>
+          </a:fontRef>
+        </p:style>
+      </p:cxnSp>
+      <p:pic>
+        <p:nvPicPr>
+          <p:cNvPr id="5" name="내용 개체 틀 4"/>
+          <p:cNvPicPr>
+            <a:picLocks noGrp="1" noChangeAspect="1"/>
+          </p:cNvPicPr>
+          <p:nvPr>
+            <p:ph idx="1"/>
+          </p:nvPr>
+        </p:nvPicPr>
+        <p:blipFill>
+          <a:blip r:embed="rId2"/>
+          <a:stretch>
+            <a:fillRect/>
+          </a:stretch>
+        </p:blipFill>
+        <p:spPr>
+          <a:xfrm>
+            <a:off x="838200" y="1917117"/>
+            <a:ext cx="7993262" cy="3119578"/>
+          </a:xfrm>
+          <a:prstGeom prst="rect">
+            <a:avLst/>
+          </a:prstGeom>
+          <a:ln w="38100" cap="sq">
+            <a:solidFill>
+              <a:srgbClr val="000000"/>
+            </a:solidFill>
+            <a:prstDash val="solid"/>
+            <a:miter lim="800000"/>
+          </a:ln>
+          <a:effectLst>
+            <a:outerShdw blurRad="50800" dist="38100" dir="2700000" algn="tl" rotWithShape="0">
+              <a:srgbClr val="000000">
+                <a:alpha val="43000"/>
+              </a:srgbClr>
+            </a:outerShdw>
+          </a:effectLst>
+        </p:spPr>
+      </p:pic>
+      <p:pic>
+        <p:nvPicPr>
+          <p:cNvPr id="6" name="그림 5"/>
+          <p:cNvPicPr>
+            <a:picLocks noChangeAspect="1"/>
+          </p:cNvPicPr>
+          <p:nvPr/>
+        </p:nvPicPr>
+        <p:blipFill>
+          <a:blip r:embed="rId3"/>
+          <a:stretch>
+            <a:fillRect/>
+          </a:stretch>
+        </p:blipFill>
+        <p:spPr>
+          <a:xfrm>
+            <a:off x="838200" y="5244812"/>
+            <a:ext cx="9115425" cy="1209675"/>
+          </a:xfrm>
+          <a:prstGeom prst="rect">
+            <a:avLst/>
+          </a:prstGeom>
+        </p:spPr>
+      </p:pic>
+      <p:pic>
+        <p:nvPicPr>
+          <p:cNvPr id="8" name="그림 7"/>
+          <p:cNvPicPr>
+            <a:picLocks noChangeAspect="1"/>
+          </p:cNvPicPr>
+          <p:nvPr/>
+        </p:nvPicPr>
+        <p:blipFill rotWithShape="1">
+          <a:blip r:embed="rId4"/>
+          <a:srcRect t="9936"/>
+          <a:stretch/>
+        </p:blipFill>
+        <p:spPr>
+          <a:xfrm>
+            <a:off x="9053673" y="1925460"/>
+            <a:ext cx="2592549" cy="1109103"/>
+          </a:xfrm>
+          <a:prstGeom prst="rect">
+            <a:avLst/>
+          </a:prstGeom>
+          <a:ln w="38100" cap="sq">
+            <a:solidFill>
+              <a:srgbClr val="000000"/>
+            </a:solidFill>
+            <a:prstDash val="solid"/>
+            <a:miter lim="800000"/>
+          </a:ln>
+          <a:effectLst>
+            <a:outerShdw blurRad="50800" dist="38100" dir="2700000" algn="tl" rotWithShape="0">
+              <a:srgbClr val="000000">
+                <a:alpha val="43000"/>
+              </a:srgbClr>
+            </a:outerShdw>
+          </a:effectLst>
+        </p:spPr>
+      </p:pic>
+    </p:spTree>
+    <p:extLst>
+      <p:ext uri="{BB962C8B-B14F-4D97-AF65-F5344CB8AC3E}">
+        <p14:creationId xmlns:p14="http://schemas.microsoft.com/office/powerpoint/2010/main" val="994953625"/>
       </p:ext>
     </p:extLst>
   </p:cSld>
@@ -6693,6 +7760,2234 @@
 </p:sld>
 </file>
 
+<file path=ppt/slides/slide20.xml><?xml version="1.0" encoding="utf-8"?>
+<p:sld xmlns:a="http://schemas.openxmlformats.org/drawingml/2006/main" xmlns:r="http://schemas.openxmlformats.org/officeDocument/2006/relationships" xmlns:p="http://schemas.openxmlformats.org/presentationml/2006/main">
+  <p:cSld>
+    <p:spTree>
+      <p:nvGrpSpPr>
+        <p:cNvPr id="1" name=""/>
+        <p:cNvGrpSpPr/>
+        <p:nvPr/>
+      </p:nvGrpSpPr>
+      <p:grpSpPr>
+        <a:xfrm>
+          <a:off x="0" y="0"/>
+          <a:ext cx="0" cy="0"/>
+          <a:chOff x="0" y="0"/>
+          <a:chExt cx="0" cy="0"/>
+        </a:xfrm>
+      </p:grpSpPr>
+      <p:sp>
+        <p:nvSpPr>
+          <p:cNvPr id="2" name="제목 1"/>
+          <p:cNvSpPr>
+            <a:spLocks noGrp="1"/>
+          </p:cNvSpPr>
+          <p:nvPr>
+            <p:ph type="title"/>
+          </p:nvPr>
+        </p:nvSpPr>
+        <p:spPr/>
+        <p:txBody>
+          <a:bodyPr/>
+          <a:lstStyle/>
+          <a:p>
+            <a:r>
+              <a:rPr lang="en-US" altLang="ko-KR" dirty="0" smtClean="0">
+                <a:latin typeface="HY헤드라인M" panose="02030600000101010101" pitchFamily="18" charset="-127"/>
+                <a:ea typeface="HY헤드라인M" panose="02030600000101010101" pitchFamily="18" charset="-127"/>
+              </a:rPr>
+              <a:t>1. </a:t>
+            </a:r>
+            <a:r>
+              <a:rPr lang="ko-KR" altLang="en-US" dirty="0" smtClean="0">
+                <a:latin typeface="HY헤드라인M" panose="02030600000101010101" pitchFamily="18" charset="-127"/>
+                <a:ea typeface="HY헤드라인M" panose="02030600000101010101" pitchFamily="18" charset="-127"/>
+              </a:rPr>
+              <a:t>정규식 </a:t>
+            </a:r>
+            <a:r>
+              <a:rPr lang="en-US" altLang="ko-KR" dirty="0" smtClean="0">
+                <a:latin typeface="HY헤드라인M" panose="02030600000101010101" pitchFamily="18" charset="-127"/>
+                <a:ea typeface="HY헤드라인M" panose="02030600000101010101" pitchFamily="18" charset="-127"/>
+              </a:rPr>
+              <a:t>- </a:t>
+            </a:r>
+            <a:r>
+              <a:rPr lang="ko-KR" altLang="en-US" dirty="0" smtClean="0">
+                <a:latin typeface="HY헤드라인M" panose="02030600000101010101" pitchFamily="18" charset="-127"/>
+                <a:ea typeface="HY헤드라인M" panose="02030600000101010101" pitchFamily="18" charset="-127"/>
+              </a:rPr>
+              <a:t>예시</a:t>
+            </a:r>
+            <a:endParaRPr lang="ko-KR" altLang="en-US" dirty="0">
+              <a:latin typeface="HY헤드라인M" panose="02030600000101010101" pitchFamily="18" charset="-127"/>
+              <a:ea typeface="HY헤드라인M" panose="02030600000101010101" pitchFamily="18" charset="-127"/>
+            </a:endParaRPr>
+          </a:p>
+        </p:txBody>
+      </p:sp>
+      <p:cxnSp>
+        <p:nvCxnSpPr>
+          <p:cNvPr id="4" name="직선 연결선 3"/>
+          <p:cNvCxnSpPr/>
+          <p:nvPr/>
+        </p:nvCxnSpPr>
+        <p:spPr>
+          <a:xfrm flipH="1">
+            <a:off x="124019" y="1690688"/>
+            <a:ext cx="11807569" cy="18312"/>
+          </a:xfrm>
+          <a:prstGeom prst="line">
+            <a:avLst/>
+          </a:prstGeom>
+          <a:ln w="57150">
+            <a:solidFill>
+              <a:schemeClr val="accent6">
+                <a:lumMod val="40000"/>
+                <a:lumOff val="60000"/>
+              </a:schemeClr>
+            </a:solidFill>
+          </a:ln>
+        </p:spPr>
+        <p:style>
+          <a:lnRef idx="1">
+            <a:schemeClr val="accent1"/>
+          </a:lnRef>
+          <a:fillRef idx="0">
+            <a:schemeClr val="accent1"/>
+          </a:fillRef>
+          <a:effectRef idx="0">
+            <a:schemeClr val="accent1"/>
+          </a:effectRef>
+          <a:fontRef idx="minor">
+            <a:schemeClr val="tx1"/>
+          </a:fontRef>
+        </p:style>
+      </p:cxnSp>
+      <p:cxnSp>
+        <p:nvCxnSpPr>
+          <p:cNvPr id="7" name="직선 연결선 6"/>
+          <p:cNvCxnSpPr/>
+          <p:nvPr/>
+        </p:nvCxnSpPr>
+        <p:spPr>
+          <a:xfrm flipV="1">
+            <a:off x="235123" y="290941"/>
+            <a:ext cx="380866" cy="1626636"/>
+          </a:xfrm>
+          <a:prstGeom prst="line">
+            <a:avLst/>
+          </a:prstGeom>
+          <a:ln w="57150">
+            <a:solidFill>
+              <a:schemeClr val="accent6">
+                <a:lumMod val="75000"/>
+              </a:schemeClr>
+            </a:solidFill>
+          </a:ln>
+        </p:spPr>
+        <p:style>
+          <a:lnRef idx="1">
+            <a:schemeClr val="accent1"/>
+          </a:lnRef>
+          <a:fillRef idx="0">
+            <a:schemeClr val="accent1"/>
+          </a:fillRef>
+          <a:effectRef idx="0">
+            <a:schemeClr val="accent1"/>
+          </a:effectRef>
+          <a:fontRef idx="minor">
+            <a:schemeClr val="tx1"/>
+          </a:fontRef>
+        </p:style>
+      </p:cxnSp>
+      <p:cxnSp>
+        <p:nvCxnSpPr>
+          <p:cNvPr id="10" name="직선 연결선 9"/>
+          <p:cNvCxnSpPr/>
+          <p:nvPr/>
+        </p:nvCxnSpPr>
+        <p:spPr>
+          <a:xfrm>
+            <a:off x="235123" y="1482571"/>
+            <a:ext cx="380866" cy="5104660"/>
+          </a:xfrm>
+          <a:prstGeom prst="line">
+            <a:avLst/>
+          </a:prstGeom>
+          <a:ln w="57150">
+            <a:solidFill>
+              <a:schemeClr val="accent5">
+                <a:lumMod val="60000"/>
+                <a:lumOff val="40000"/>
+              </a:schemeClr>
+            </a:solidFill>
+          </a:ln>
+        </p:spPr>
+        <p:style>
+          <a:lnRef idx="1">
+            <a:schemeClr val="accent1"/>
+          </a:lnRef>
+          <a:fillRef idx="0">
+            <a:schemeClr val="accent1"/>
+          </a:fillRef>
+          <a:effectRef idx="0">
+            <a:schemeClr val="accent1"/>
+          </a:effectRef>
+          <a:fontRef idx="minor">
+            <a:schemeClr val="tx1"/>
+          </a:fontRef>
+        </p:style>
+      </p:cxnSp>
+      <p:cxnSp>
+        <p:nvCxnSpPr>
+          <p:cNvPr id="15" name="직선 연결선 14"/>
+          <p:cNvCxnSpPr/>
+          <p:nvPr/>
+        </p:nvCxnSpPr>
+        <p:spPr>
+          <a:xfrm flipH="1" flipV="1">
+            <a:off x="11132598" y="221942"/>
+            <a:ext cx="682237" cy="1790840"/>
+          </a:xfrm>
+          <a:prstGeom prst="line">
+            <a:avLst/>
+          </a:prstGeom>
+          <a:ln w="57150">
+            <a:solidFill>
+              <a:schemeClr val="accent5">
+                <a:lumMod val="60000"/>
+                <a:lumOff val="40000"/>
+              </a:schemeClr>
+            </a:solidFill>
+          </a:ln>
+        </p:spPr>
+        <p:style>
+          <a:lnRef idx="1">
+            <a:schemeClr val="accent1"/>
+          </a:lnRef>
+          <a:fillRef idx="0">
+            <a:schemeClr val="accent1"/>
+          </a:fillRef>
+          <a:effectRef idx="0">
+            <a:schemeClr val="accent1"/>
+          </a:effectRef>
+          <a:fontRef idx="minor">
+            <a:schemeClr val="tx1"/>
+          </a:fontRef>
+        </p:style>
+      </p:cxnSp>
+      <p:pic>
+        <p:nvPicPr>
+          <p:cNvPr id="5" name="내용 개체 틀 4"/>
+          <p:cNvPicPr>
+            <a:picLocks noGrp="1" noChangeAspect="1"/>
+          </p:cNvPicPr>
+          <p:nvPr>
+            <p:ph idx="1"/>
+          </p:nvPr>
+        </p:nvPicPr>
+        <p:blipFill>
+          <a:blip r:embed="rId2"/>
+          <a:stretch>
+            <a:fillRect/>
+          </a:stretch>
+        </p:blipFill>
+        <p:spPr>
+          <a:xfrm>
+            <a:off x="727093" y="2012782"/>
+            <a:ext cx="9178039" cy="2978943"/>
+          </a:xfrm>
+          <a:prstGeom prst="rect">
+            <a:avLst/>
+          </a:prstGeom>
+          <a:ln w="38100" cap="sq">
+            <a:solidFill>
+              <a:srgbClr val="000000"/>
+            </a:solidFill>
+            <a:prstDash val="solid"/>
+            <a:miter lim="800000"/>
+          </a:ln>
+          <a:effectLst>
+            <a:outerShdw blurRad="50800" dist="38100" dir="2700000" algn="tl" rotWithShape="0">
+              <a:srgbClr val="000000">
+                <a:alpha val="43000"/>
+              </a:srgbClr>
+            </a:outerShdw>
+          </a:effectLst>
+        </p:spPr>
+      </p:pic>
+      <p:pic>
+        <p:nvPicPr>
+          <p:cNvPr id="6" name="그림 5"/>
+          <p:cNvPicPr>
+            <a:picLocks noChangeAspect="1"/>
+          </p:cNvPicPr>
+          <p:nvPr/>
+        </p:nvPicPr>
+        <p:blipFill rotWithShape="1">
+          <a:blip r:embed="rId3"/>
+          <a:srcRect t="6509"/>
+          <a:stretch/>
+        </p:blipFill>
+        <p:spPr>
+          <a:xfrm>
+            <a:off x="727093" y="5366479"/>
+            <a:ext cx="10649924" cy="1019330"/>
+          </a:xfrm>
+          <a:prstGeom prst="rect">
+            <a:avLst/>
+          </a:prstGeom>
+          <a:ln w="38100" cap="sq">
+            <a:solidFill>
+              <a:srgbClr val="000000"/>
+            </a:solidFill>
+            <a:prstDash val="solid"/>
+            <a:miter lim="800000"/>
+          </a:ln>
+          <a:effectLst>
+            <a:outerShdw blurRad="50800" dist="38100" dir="2700000" algn="tl" rotWithShape="0">
+              <a:srgbClr val="000000">
+                <a:alpha val="43000"/>
+              </a:srgbClr>
+            </a:outerShdw>
+          </a:effectLst>
+        </p:spPr>
+      </p:pic>
+    </p:spTree>
+    <p:extLst>
+      <p:ext uri="{BB962C8B-B14F-4D97-AF65-F5344CB8AC3E}">
+        <p14:creationId xmlns:p14="http://schemas.microsoft.com/office/powerpoint/2010/main" val="1676594344"/>
+      </p:ext>
+    </p:extLst>
+  </p:cSld>
+  <p:clrMapOvr>
+    <a:masterClrMapping/>
+  </p:clrMapOvr>
+</p:sld>
+</file>
+
+<file path=ppt/slides/slide21.xml><?xml version="1.0" encoding="utf-8"?>
+<p:sld xmlns:a="http://schemas.openxmlformats.org/drawingml/2006/main" xmlns:r="http://schemas.openxmlformats.org/officeDocument/2006/relationships" xmlns:p="http://schemas.openxmlformats.org/presentationml/2006/main">
+  <p:cSld>
+    <p:spTree>
+      <p:nvGrpSpPr>
+        <p:cNvPr id="1" name=""/>
+        <p:cNvGrpSpPr/>
+        <p:nvPr/>
+      </p:nvGrpSpPr>
+      <p:grpSpPr>
+        <a:xfrm>
+          <a:off x="0" y="0"/>
+          <a:ext cx="0" cy="0"/>
+          <a:chOff x="0" y="0"/>
+          <a:chExt cx="0" cy="0"/>
+        </a:xfrm>
+      </p:grpSpPr>
+      <p:sp>
+        <p:nvSpPr>
+          <p:cNvPr id="2" name="제목 1"/>
+          <p:cNvSpPr>
+            <a:spLocks noGrp="1"/>
+          </p:cNvSpPr>
+          <p:nvPr>
+            <p:ph type="title"/>
+          </p:nvPr>
+        </p:nvSpPr>
+        <p:spPr/>
+        <p:txBody>
+          <a:bodyPr/>
+          <a:lstStyle/>
+          <a:p>
+            <a:r>
+              <a:rPr lang="en-US" altLang="ko-KR" dirty="0" smtClean="0">
+                <a:latin typeface="HY헤드라인M" panose="02030600000101010101" pitchFamily="18" charset="-127"/>
+                <a:ea typeface="HY헤드라인M" panose="02030600000101010101" pitchFamily="18" charset="-127"/>
+              </a:rPr>
+              <a:t>1. </a:t>
+            </a:r>
+            <a:r>
+              <a:rPr lang="ko-KR" altLang="en-US" dirty="0" smtClean="0">
+                <a:latin typeface="HY헤드라인M" panose="02030600000101010101" pitchFamily="18" charset="-127"/>
+                <a:ea typeface="HY헤드라인M" panose="02030600000101010101" pitchFamily="18" charset="-127"/>
+              </a:rPr>
+              <a:t>정규식 </a:t>
+            </a:r>
+            <a:r>
+              <a:rPr lang="en-US" altLang="ko-KR" dirty="0" smtClean="0">
+                <a:latin typeface="HY헤드라인M" panose="02030600000101010101" pitchFamily="18" charset="-127"/>
+                <a:ea typeface="HY헤드라인M" panose="02030600000101010101" pitchFamily="18" charset="-127"/>
+              </a:rPr>
+              <a:t>– </a:t>
+            </a:r>
+            <a:r>
+              <a:rPr lang="ko-KR" altLang="en-US" sz="3600" dirty="0" err="1" smtClean="0">
+                <a:latin typeface="HY헤드라인M" panose="02030600000101010101" pitchFamily="18" charset="-127"/>
+                <a:ea typeface="HY헤드라인M" panose="02030600000101010101" pitchFamily="18" charset="-127"/>
+              </a:rPr>
+              <a:t>정규식으로</a:t>
+            </a:r>
+            <a:r>
+              <a:rPr lang="ko-KR" altLang="en-US" sz="3600" dirty="0" smtClean="0">
+                <a:latin typeface="HY헤드라인M" panose="02030600000101010101" pitchFamily="18" charset="-127"/>
+                <a:ea typeface="HY헤드라인M" panose="02030600000101010101" pitchFamily="18" charset="-127"/>
+              </a:rPr>
+              <a:t> 쓴 중복 </a:t>
+            </a:r>
+            <a:r>
+              <a:rPr lang="en-US" altLang="ko-KR" sz="3600" dirty="0" smtClean="0">
+                <a:latin typeface="HY헤드라인M" panose="02030600000101010101" pitchFamily="18" charset="-127"/>
+                <a:ea typeface="HY헤드라인M" panose="02030600000101010101" pitchFamily="18" charset="-127"/>
+              </a:rPr>
+              <a:t>split </a:t>
+            </a:r>
+            <a:r>
+              <a:rPr lang="ko-KR" altLang="en-US" sz="3600" dirty="0" smtClean="0">
+                <a:latin typeface="HY헤드라인M" panose="02030600000101010101" pitchFamily="18" charset="-127"/>
+                <a:ea typeface="HY헤드라인M" panose="02030600000101010101" pitchFamily="18" charset="-127"/>
+              </a:rPr>
+              <a:t>패턴</a:t>
+            </a:r>
+            <a:endParaRPr lang="ko-KR" altLang="en-US" sz="3600" dirty="0">
+              <a:latin typeface="HY헤드라인M" panose="02030600000101010101" pitchFamily="18" charset="-127"/>
+              <a:ea typeface="HY헤드라인M" panose="02030600000101010101" pitchFamily="18" charset="-127"/>
+            </a:endParaRPr>
+          </a:p>
+        </p:txBody>
+      </p:sp>
+      <p:cxnSp>
+        <p:nvCxnSpPr>
+          <p:cNvPr id="4" name="직선 연결선 3"/>
+          <p:cNvCxnSpPr/>
+          <p:nvPr/>
+        </p:nvCxnSpPr>
+        <p:spPr>
+          <a:xfrm flipH="1">
+            <a:off x="124019" y="1690688"/>
+            <a:ext cx="11807569" cy="18312"/>
+          </a:xfrm>
+          <a:prstGeom prst="line">
+            <a:avLst/>
+          </a:prstGeom>
+          <a:ln w="57150">
+            <a:solidFill>
+              <a:schemeClr val="accent6">
+                <a:lumMod val="40000"/>
+                <a:lumOff val="60000"/>
+              </a:schemeClr>
+            </a:solidFill>
+          </a:ln>
+        </p:spPr>
+        <p:style>
+          <a:lnRef idx="1">
+            <a:schemeClr val="accent1"/>
+          </a:lnRef>
+          <a:fillRef idx="0">
+            <a:schemeClr val="accent1"/>
+          </a:fillRef>
+          <a:effectRef idx="0">
+            <a:schemeClr val="accent1"/>
+          </a:effectRef>
+          <a:fontRef idx="minor">
+            <a:schemeClr val="tx1"/>
+          </a:fontRef>
+        </p:style>
+      </p:cxnSp>
+      <p:cxnSp>
+        <p:nvCxnSpPr>
+          <p:cNvPr id="7" name="직선 연결선 6"/>
+          <p:cNvCxnSpPr/>
+          <p:nvPr/>
+        </p:nvCxnSpPr>
+        <p:spPr>
+          <a:xfrm flipV="1">
+            <a:off x="235123" y="290941"/>
+            <a:ext cx="380866" cy="1626636"/>
+          </a:xfrm>
+          <a:prstGeom prst="line">
+            <a:avLst/>
+          </a:prstGeom>
+          <a:ln w="57150">
+            <a:solidFill>
+              <a:schemeClr val="accent6">
+                <a:lumMod val="75000"/>
+              </a:schemeClr>
+            </a:solidFill>
+          </a:ln>
+        </p:spPr>
+        <p:style>
+          <a:lnRef idx="1">
+            <a:schemeClr val="accent1"/>
+          </a:lnRef>
+          <a:fillRef idx="0">
+            <a:schemeClr val="accent1"/>
+          </a:fillRef>
+          <a:effectRef idx="0">
+            <a:schemeClr val="accent1"/>
+          </a:effectRef>
+          <a:fontRef idx="minor">
+            <a:schemeClr val="tx1"/>
+          </a:fontRef>
+        </p:style>
+      </p:cxnSp>
+      <p:cxnSp>
+        <p:nvCxnSpPr>
+          <p:cNvPr id="10" name="직선 연결선 9"/>
+          <p:cNvCxnSpPr/>
+          <p:nvPr/>
+        </p:nvCxnSpPr>
+        <p:spPr>
+          <a:xfrm>
+            <a:off x="235123" y="1482571"/>
+            <a:ext cx="380866" cy="5104660"/>
+          </a:xfrm>
+          <a:prstGeom prst="line">
+            <a:avLst/>
+          </a:prstGeom>
+          <a:ln w="57150">
+            <a:solidFill>
+              <a:schemeClr val="accent5">
+                <a:lumMod val="60000"/>
+                <a:lumOff val="40000"/>
+              </a:schemeClr>
+            </a:solidFill>
+          </a:ln>
+        </p:spPr>
+        <p:style>
+          <a:lnRef idx="1">
+            <a:schemeClr val="accent1"/>
+          </a:lnRef>
+          <a:fillRef idx="0">
+            <a:schemeClr val="accent1"/>
+          </a:fillRef>
+          <a:effectRef idx="0">
+            <a:schemeClr val="accent1"/>
+          </a:effectRef>
+          <a:fontRef idx="minor">
+            <a:schemeClr val="tx1"/>
+          </a:fontRef>
+        </p:style>
+      </p:cxnSp>
+      <p:cxnSp>
+        <p:nvCxnSpPr>
+          <p:cNvPr id="15" name="직선 연결선 14"/>
+          <p:cNvCxnSpPr/>
+          <p:nvPr/>
+        </p:nvCxnSpPr>
+        <p:spPr>
+          <a:xfrm flipH="1" flipV="1">
+            <a:off x="11132598" y="221942"/>
+            <a:ext cx="682237" cy="1790840"/>
+          </a:xfrm>
+          <a:prstGeom prst="line">
+            <a:avLst/>
+          </a:prstGeom>
+          <a:ln w="57150">
+            <a:solidFill>
+              <a:schemeClr val="accent5">
+                <a:lumMod val="60000"/>
+                <a:lumOff val="40000"/>
+              </a:schemeClr>
+            </a:solidFill>
+          </a:ln>
+        </p:spPr>
+        <p:style>
+          <a:lnRef idx="1">
+            <a:schemeClr val="accent1"/>
+          </a:lnRef>
+          <a:fillRef idx="0">
+            <a:schemeClr val="accent1"/>
+          </a:fillRef>
+          <a:effectRef idx="0">
+            <a:schemeClr val="accent1"/>
+          </a:effectRef>
+          <a:fontRef idx="minor">
+            <a:schemeClr val="tx1"/>
+          </a:fontRef>
+        </p:style>
+      </p:cxnSp>
+      <p:pic>
+        <p:nvPicPr>
+          <p:cNvPr id="5" name="내용 개체 틀 4"/>
+          <p:cNvPicPr>
+            <a:picLocks noGrp="1" noChangeAspect="1"/>
+          </p:cNvPicPr>
+          <p:nvPr>
+            <p:ph idx="1"/>
+          </p:nvPr>
+        </p:nvPicPr>
+        <p:blipFill>
+          <a:blip r:embed="rId2"/>
+          <a:stretch>
+            <a:fillRect/>
+          </a:stretch>
+        </p:blipFill>
+        <p:spPr>
+          <a:xfrm>
+            <a:off x="838200" y="2215278"/>
+            <a:ext cx="10200160" cy="1847056"/>
+          </a:xfrm>
+          <a:prstGeom prst="rect">
+            <a:avLst/>
+          </a:prstGeom>
+          <a:ln w="38100" cap="sq">
+            <a:solidFill>
+              <a:srgbClr val="000000"/>
+            </a:solidFill>
+            <a:prstDash val="solid"/>
+            <a:miter lim="800000"/>
+          </a:ln>
+          <a:effectLst>
+            <a:outerShdw blurRad="50800" dist="38100" dir="2700000" algn="tl" rotWithShape="0">
+              <a:srgbClr val="000000">
+                <a:alpha val="43000"/>
+              </a:srgbClr>
+            </a:outerShdw>
+          </a:effectLst>
+        </p:spPr>
+      </p:pic>
+      <p:grpSp>
+        <p:nvGrpSpPr>
+          <p:cNvPr id="9" name="그룹 8"/>
+          <p:cNvGrpSpPr/>
+          <p:nvPr/>
+        </p:nvGrpSpPr>
+        <p:grpSpPr>
+          <a:xfrm>
+            <a:off x="838200" y="4447629"/>
+            <a:ext cx="3329066" cy="1581150"/>
+            <a:chOff x="838200" y="4447628"/>
+            <a:chExt cx="5638800" cy="1800225"/>
+          </a:xfrm>
+        </p:grpSpPr>
+        <p:pic>
+          <p:nvPicPr>
+            <p:cNvPr id="6" name="그림 5"/>
+            <p:cNvPicPr>
+              <a:picLocks noChangeAspect="1"/>
+            </p:cNvPicPr>
+            <p:nvPr/>
+          </p:nvPicPr>
+          <p:blipFill>
+            <a:blip r:embed="rId3"/>
+            <a:stretch>
+              <a:fillRect/>
+            </a:stretch>
+          </p:blipFill>
+          <p:spPr>
+            <a:xfrm>
+              <a:off x="838200" y="4447628"/>
+              <a:ext cx="5638800" cy="1800225"/>
+            </a:xfrm>
+            <a:prstGeom prst="rect">
+              <a:avLst/>
+            </a:prstGeom>
+          </p:spPr>
+        </p:pic>
+        <p:sp>
+          <p:nvSpPr>
+            <p:cNvPr id="8" name="직사각형 7"/>
+            <p:cNvSpPr/>
+            <p:nvPr/>
+          </p:nvSpPr>
+          <p:spPr>
+            <a:xfrm>
+              <a:off x="838200" y="4568612"/>
+              <a:ext cx="705787" cy="662955"/>
+            </a:xfrm>
+            <a:prstGeom prst="rect">
+              <a:avLst/>
+            </a:prstGeom>
+            <a:solidFill>
+              <a:schemeClr val="tx1"/>
+            </a:solidFill>
+            <a:ln>
+              <a:solidFill>
+                <a:schemeClr val="tx1"/>
+              </a:solidFill>
+            </a:ln>
+          </p:spPr>
+          <p:style>
+            <a:lnRef idx="2">
+              <a:schemeClr val="accent1">
+                <a:shade val="50000"/>
+              </a:schemeClr>
+            </a:lnRef>
+            <a:fillRef idx="1">
+              <a:schemeClr val="accent1"/>
+            </a:fillRef>
+            <a:effectRef idx="0">
+              <a:schemeClr val="accent1"/>
+            </a:effectRef>
+            <a:fontRef idx="minor">
+              <a:schemeClr val="lt1"/>
+            </a:fontRef>
+          </p:style>
+          <p:txBody>
+            <a:bodyPr rtlCol="0" anchor="ctr"/>
+            <a:lstStyle/>
+            <a:p>
+              <a:pPr algn="ctr"/>
+              <a:endParaRPr lang="ko-KR" altLang="en-US"/>
+            </a:p>
+          </p:txBody>
+        </p:sp>
+      </p:grpSp>
+      <p:pic>
+        <p:nvPicPr>
+          <p:cNvPr id="11" name="그림 10"/>
+          <p:cNvPicPr>
+            <a:picLocks noChangeAspect="1"/>
+          </p:cNvPicPr>
+          <p:nvPr/>
+        </p:nvPicPr>
+        <p:blipFill>
+          <a:blip r:embed="rId4"/>
+          <a:stretch>
+            <a:fillRect/>
+          </a:stretch>
+        </p:blipFill>
+        <p:spPr>
+          <a:xfrm>
+            <a:off x="4431467" y="4447629"/>
+            <a:ext cx="4178508" cy="1581150"/>
+          </a:xfrm>
+          <a:prstGeom prst="rect">
+            <a:avLst/>
+          </a:prstGeom>
+        </p:spPr>
+      </p:pic>
+      <p:pic>
+        <p:nvPicPr>
+          <p:cNvPr id="12" name="그림 11"/>
+          <p:cNvPicPr>
+            <a:picLocks noChangeAspect="1"/>
+          </p:cNvPicPr>
+          <p:nvPr/>
+        </p:nvPicPr>
+        <p:blipFill>
+          <a:blip r:embed="rId5"/>
+          <a:stretch>
+            <a:fillRect/>
+          </a:stretch>
+        </p:blipFill>
+        <p:spPr>
+          <a:xfrm>
+            <a:off x="8874176" y="4447629"/>
+            <a:ext cx="3057411" cy="1581150"/>
+          </a:xfrm>
+          <a:prstGeom prst="rect">
+            <a:avLst/>
+          </a:prstGeom>
+        </p:spPr>
+      </p:pic>
+    </p:spTree>
+    <p:extLst>
+      <p:ext uri="{BB962C8B-B14F-4D97-AF65-F5344CB8AC3E}">
+        <p14:creationId xmlns:p14="http://schemas.microsoft.com/office/powerpoint/2010/main" val="1254607723"/>
+      </p:ext>
+    </p:extLst>
+  </p:cSld>
+  <p:clrMapOvr>
+    <a:masterClrMapping/>
+  </p:clrMapOvr>
+</p:sld>
+</file>
+
+<file path=ppt/slides/slide22.xml><?xml version="1.0" encoding="utf-8"?>
+<p:sld xmlns:a="http://schemas.openxmlformats.org/drawingml/2006/main" xmlns:r="http://schemas.openxmlformats.org/officeDocument/2006/relationships" xmlns:p="http://schemas.openxmlformats.org/presentationml/2006/main">
+  <p:cSld>
+    <p:spTree>
+      <p:nvGrpSpPr>
+        <p:cNvPr id="1" name=""/>
+        <p:cNvGrpSpPr/>
+        <p:nvPr/>
+      </p:nvGrpSpPr>
+      <p:grpSpPr>
+        <a:xfrm>
+          <a:off x="0" y="0"/>
+          <a:ext cx="0" cy="0"/>
+          <a:chOff x="0" y="0"/>
+          <a:chExt cx="0" cy="0"/>
+        </a:xfrm>
+      </p:grpSpPr>
+      <p:sp>
+        <p:nvSpPr>
+          <p:cNvPr id="2" name="제목 1"/>
+          <p:cNvSpPr>
+            <a:spLocks noGrp="1"/>
+          </p:cNvSpPr>
+          <p:nvPr>
+            <p:ph type="title"/>
+          </p:nvPr>
+        </p:nvSpPr>
+        <p:spPr/>
+        <p:txBody>
+          <a:bodyPr/>
+          <a:lstStyle/>
+          <a:p>
+            <a:r>
+              <a:rPr lang="en-US" altLang="ko-KR" dirty="0" smtClean="0">
+                <a:latin typeface="HY헤드라인M" panose="02030600000101010101" pitchFamily="18" charset="-127"/>
+                <a:ea typeface="HY헤드라인M" panose="02030600000101010101" pitchFamily="18" charset="-127"/>
+              </a:rPr>
+              <a:t>1. </a:t>
+            </a:r>
+            <a:r>
+              <a:rPr lang="ko-KR" altLang="en-US" dirty="0" smtClean="0">
+                <a:latin typeface="HY헤드라인M" panose="02030600000101010101" pitchFamily="18" charset="-127"/>
+                <a:ea typeface="HY헤드라인M" panose="02030600000101010101" pitchFamily="18" charset="-127"/>
+              </a:rPr>
+              <a:t>정규식 </a:t>
+            </a:r>
+            <a:r>
+              <a:rPr lang="en-US" altLang="ko-KR" dirty="0" smtClean="0">
+                <a:latin typeface="HY헤드라인M" panose="02030600000101010101" pitchFamily="18" charset="-127"/>
+                <a:ea typeface="HY헤드라인M" panose="02030600000101010101" pitchFamily="18" charset="-127"/>
+              </a:rPr>
+              <a:t>– </a:t>
+            </a:r>
+            <a:r>
+              <a:rPr lang="ko-KR" altLang="en-US" dirty="0" smtClean="0">
+                <a:latin typeface="HY헤드라인M" panose="02030600000101010101" pitchFamily="18" charset="-127"/>
+                <a:ea typeface="HY헤드라인M" panose="02030600000101010101" pitchFamily="18" charset="-127"/>
+              </a:rPr>
+              <a:t>업그레이드된 정규식</a:t>
+            </a:r>
+            <a:endParaRPr lang="ko-KR" altLang="en-US" dirty="0">
+              <a:latin typeface="HY헤드라인M" panose="02030600000101010101" pitchFamily="18" charset="-127"/>
+              <a:ea typeface="HY헤드라인M" panose="02030600000101010101" pitchFamily="18" charset="-127"/>
+            </a:endParaRPr>
+          </a:p>
+        </p:txBody>
+      </p:sp>
+      <p:cxnSp>
+        <p:nvCxnSpPr>
+          <p:cNvPr id="4" name="직선 연결선 3"/>
+          <p:cNvCxnSpPr/>
+          <p:nvPr/>
+        </p:nvCxnSpPr>
+        <p:spPr>
+          <a:xfrm flipH="1">
+            <a:off x="124019" y="1690688"/>
+            <a:ext cx="11807569" cy="18312"/>
+          </a:xfrm>
+          <a:prstGeom prst="line">
+            <a:avLst/>
+          </a:prstGeom>
+          <a:ln w="57150">
+            <a:solidFill>
+              <a:schemeClr val="accent6">
+                <a:lumMod val="40000"/>
+                <a:lumOff val="60000"/>
+              </a:schemeClr>
+            </a:solidFill>
+          </a:ln>
+        </p:spPr>
+        <p:style>
+          <a:lnRef idx="1">
+            <a:schemeClr val="accent1"/>
+          </a:lnRef>
+          <a:fillRef idx="0">
+            <a:schemeClr val="accent1"/>
+          </a:fillRef>
+          <a:effectRef idx="0">
+            <a:schemeClr val="accent1"/>
+          </a:effectRef>
+          <a:fontRef idx="minor">
+            <a:schemeClr val="tx1"/>
+          </a:fontRef>
+        </p:style>
+      </p:cxnSp>
+      <p:cxnSp>
+        <p:nvCxnSpPr>
+          <p:cNvPr id="7" name="직선 연결선 6"/>
+          <p:cNvCxnSpPr/>
+          <p:nvPr/>
+        </p:nvCxnSpPr>
+        <p:spPr>
+          <a:xfrm flipV="1">
+            <a:off x="235123" y="290941"/>
+            <a:ext cx="380866" cy="1626636"/>
+          </a:xfrm>
+          <a:prstGeom prst="line">
+            <a:avLst/>
+          </a:prstGeom>
+          <a:ln w="57150">
+            <a:solidFill>
+              <a:schemeClr val="accent6">
+                <a:lumMod val="75000"/>
+              </a:schemeClr>
+            </a:solidFill>
+          </a:ln>
+        </p:spPr>
+        <p:style>
+          <a:lnRef idx="1">
+            <a:schemeClr val="accent1"/>
+          </a:lnRef>
+          <a:fillRef idx="0">
+            <a:schemeClr val="accent1"/>
+          </a:fillRef>
+          <a:effectRef idx="0">
+            <a:schemeClr val="accent1"/>
+          </a:effectRef>
+          <a:fontRef idx="minor">
+            <a:schemeClr val="tx1"/>
+          </a:fontRef>
+        </p:style>
+      </p:cxnSp>
+      <p:cxnSp>
+        <p:nvCxnSpPr>
+          <p:cNvPr id="10" name="직선 연결선 9"/>
+          <p:cNvCxnSpPr/>
+          <p:nvPr/>
+        </p:nvCxnSpPr>
+        <p:spPr>
+          <a:xfrm>
+            <a:off x="235123" y="1482571"/>
+            <a:ext cx="380866" cy="5104660"/>
+          </a:xfrm>
+          <a:prstGeom prst="line">
+            <a:avLst/>
+          </a:prstGeom>
+          <a:ln w="57150">
+            <a:solidFill>
+              <a:schemeClr val="accent5">
+                <a:lumMod val="60000"/>
+                <a:lumOff val="40000"/>
+              </a:schemeClr>
+            </a:solidFill>
+          </a:ln>
+        </p:spPr>
+        <p:style>
+          <a:lnRef idx="1">
+            <a:schemeClr val="accent1"/>
+          </a:lnRef>
+          <a:fillRef idx="0">
+            <a:schemeClr val="accent1"/>
+          </a:fillRef>
+          <a:effectRef idx="0">
+            <a:schemeClr val="accent1"/>
+          </a:effectRef>
+          <a:fontRef idx="minor">
+            <a:schemeClr val="tx1"/>
+          </a:fontRef>
+        </p:style>
+      </p:cxnSp>
+      <p:cxnSp>
+        <p:nvCxnSpPr>
+          <p:cNvPr id="15" name="직선 연결선 14"/>
+          <p:cNvCxnSpPr/>
+          <p:nvPr/>
+        </p:nvCxnSpPr>
+        <p:spPr>
+          <a:xfrm flipH="1" flipV="1">
+            <a:off x="11132598" y="221942"/>
+            <a:ext cx="682237" cy="1790840"/>
+          </a:xfrm>
+          <a:prstGeom prst="line">
+            <a:avLst/>
+          </a:prstGeom>
+          <a:ln w="57150">
+            <a:solidFill>
+              <a:schemeClr val="accent5">
+                <a:lumMod val="60000"/>
+                <a:lumOff val="40000"/>
+              </a:schemeClr>
+            </a:solidFill>
+          </a:ln>
+        </p:spPr>
+        <p:style>
+          <a:lnRef idx="1">
+            <a:schemeClr val="accent1"/>
+          </a:lnRef>
+          <a:fillRef idx="0">
+            <a:schemeClr val="accent1"/>
+          </a:fillRef>
+          <a:effectRef idx="0">
+            <a:schemeClr val="accent1"/>
+          </a:effectRef>
+          <a:fontRef idx="minor">
+            <a:schemeClr val="tx1"/>
+          </a:fontRef>
+        </p:style>
+      </p:cxnSp>
+      <p:pic>
+        <p:nvPicPr>
+          <p:cNvPr id="5" name="내용 개체 틀 4"/>
+          <p:cNvPicPr>
+            <a:picLocks noGrp="1" noChangeAspect="1"/>
+          </p:cNvPicPr>
+          <p:nvPr>
+            <p:ph idx="1"/>
+          </p:nvPr>
+        </p:nvPicPr>
+        <p:blipFill>
+          <a:blip r:embed="rId2"/>
+          <a:stretch>
+            <a:fillRect/>
+          </a:stretch>
+        </p:blipFill>
+        <p:spPr>
+          <a:xfrm>
+            <a:off x="838199" y="2012782"/>
+            <a:ext cx="8571245" cy="1569867"/>
+          </a:xfrm>
+          <a:prstGeom prst="rect">
+            <a:avLst/>
+          </a:prstGeom>
+          <a:ln w="38100" cap="sq">
+            <a:solidFill>
+              <a:srgbClr val="000000"/>
+            </a:solidFill>
+            <a:prstDash val="solid"/>
+            <a:miter lim="800000"/>
+          </a:ln>
+          <a:effectLst>
+            <a:outerShdw blurRad="50800" dist="38100" dir="2700000" algn="tl" rotWithShape="0">
+              <a:srgbClr val="000000">
+                <a:alpha val="43000"/>
+              </a:srgbClr>
+            </a:outerShdw>
+          </a:effectLst>
+        </p:spPr>
+      </p:pic>
+      <p:grpSp>
+        <p:nvGrpSpPr>
+          <p:cNvPr id="9" name="그룹 8"/>
+          <p:cNvGrpSpPr/>
+          <p:nvPr/>
+        </p:nvGrpSpPr>
+        <p:grpSpPr>
+          <a:xfrm>
+            <a:off x="969363" y="3886431"/>
+            <a:ext cx="4532027" cy="1285176"/>
+            <a:chOff x="969363" y="4128821"/>
+            <a:chExt cx="4532027" cy="1042786"/>
+          </a:xfrm>
+        </p:grpSpPr>
+        <p:pic>
+          <p:nvPicPr>
+            <p:cNvPr id="6" name="그림 5"/>
+            <p:cNvPicPr>
+              <a:picLocks noChangeAspect="1"/>
+            </p:cNvPicPr>
+            <p:nvPr/>
+          </p:nvPicPr>
+          <p:blipFill>
+            <a:blip r:embed="rId3"/>
+            <a:stretch>
+              <a:fillRect/>
+            </a:stretch>
+          </p:blipFill>
+          <p:spPr>
+            <a:xfrm>
+              <a:off x="969363" y="4128821"/>
+              <a:ext cx="4532027" cy="1042786"/>
+            </a:xfrm>
+            <a:prstGeom prst="rect">
+              <a:avLst/>
+            </a:prstGeom>
+          </p:spPr>
+        </p:pic>
+        <p:sp>
+          <p:nvSpPr>
+            <p:cNvPr id="8" name="직사각형 7"/>
+            <p:cNvSpPr/>
+            <p:nvPr/>
+          </p:nvSpPr>
+          <p:spPr>
+            <a:xfrm>
+              <a:off x="974361" y="4152275"/>
+              <a:ext cx="674557" cy="404735"/>
+            </a:xfrm>
+            <a:prstGeom prst="rect">
+              <a:avLst/>
+            </a:prstGeom>
+            <a:solidFill>
+              <a:schemeClr val="tx1"/>
+            </a:solidFill>
+            <a:ln>
+              <a:solidFill>
+                <a:schemeClr val="tx1"/>
+              </a:solidFill>
+            </a:ln>
+          </p:spPr>
+          <p:style>
+            <a:lnRef idx="2">
+              <a:schemeClr val="accent1">
+                <a:shade val="50000"/>
+              </a:schemeClr>
+            </a:lnRef>
+            <a:fillRef idx="1">
+              <a:schemeClr val="accent1"/>
+            </a:fillRef>
+            <a:effectRef idx="0">
+              <a:schemeClr val="accent1"/>
+            </a:effectRef>
+            <a:fontRef idx="minor">
+              <a:schemeClr val="lt1"/>
+            </a:fontRef>
+          </p:style>
+          <p:txBody>
+            <a:bodyPr rtlCol="0" anchor="ctr"/>
+            <a:lstStyle/>
+            <a:p>
+              <a:pPr algn="ctr"/>
+              <a:endParaRPr lang="ko-KR" altLang="en-US"/>
+            </a:p>
+          </p:txBody>
+        </p:sp>
+      </p:grpSp>
+      <p:pic>
+        <p:nvPicPr>
+          <p:cNvPr id="11" name="그림 10"/>
+          <p:cNvPicPr>
+            <a:picLocks noChangeAspect="1"/>
+          </p:cNvPicPr>
+          <p:nvPr/>
+        </p:nvPicPr>
+        <p:blipFill>
+          <a:blip r:embed="rId4"/>
+          <a:stretch>
+            <a:fillRect/>
+          </a:stretch>
+        </p:blipFill>
+        <p:spPr>
+          <a:xfrm>
+            <a:off x="969363" y="5362575"/>
+            <a:ext cx="4532027" cy="1224656"/>
+          </a:xfrm>
+          <a:prstGeom prst="rect">
+            <a:avLst/>
+          </a:prstGeom>
+        </p:spPr>
+      </p:pic>
+      <p:pic>
+        <p:nvPicPr>
+          <p:cNvPr id="12" name="그림 11"/>
+          <p:cNvPicPr>
+            <a:picLocks noChangeAspect="1"/>
+          </p:cNvPicPr>
+          <p:nvPr/>
+        </p:nvPicPr>
+        <p:blipFill>
+          <a:blip r:embed="rId5"/>
+          <a:stretch>
+            <a:fillRect/>
+          </a:stretch>
+        </p:blipFill>
+        <p:spPr>
+          <a:xfrm>
+            <a:off x="5733503" y="3930328"/>
+            <a:ext cx="4562475" cy="1241280"/>
+          </a:xfrm>
+          <a:prstGeom prst="rect">
+            <a:avLst/>
+          </a:prstGeom>
+        </p:spPr>
+      </p:pic>
+      <p:pic>
+        <p:nvPicPr>
+          <p:cNvPr id="13" name="그림 12"/>
+          <p:cNvPicPr>
+            <a:picLocks noChangeAspect="1"/>
+          </p:cNvPicPr>
+          <p:nvPr/>
+        </p:nvPicPr>
+        <p:blipFill>
+          <a:blip r:embed="rId6"/>
+          <a:stretch>
+            <a:fillRect/>
+          </a:stretch>
+        </p:blipFill>
+        <p:spPr>
+          <a:xfrm>
+            <a:off x="5733503" y="5277862"/>
+            <a:ext cx="4562475" cy="1309369"/>
+          </a:xfrm>
+          <a:prstGeom prst="rect">
+            <a:avLst/>
+          </a:prstGeom>
+        </p:spPr>
+      </p:pic>
+    </p:spTree>
+    <p:extLst>
+      <p:ext uri="{BB962C8B-B14F-4D97-AF65-F5344CB8AC3E}">
+        <p14:creationId xmlns:p14="http://schemas.microsoft.com/office/powerpoint/2010/main" val="2556141220"/>
+      </p:ext>
+    </p:extLst>
+  </p:cSld>
+  <p:clrMapOvr>
+    <a:masterClrMapping/>
+  </p:clrMapOvr>
+</p:sld>
+</file>
+
+<file path=ppt/slides/slide23.xml><?xml version="1.0" encoding="utf-8"?>
+<p:sld xmlns:a="http://schemas.openxmlformats.org/drawingml/2006/main" xmlns:r="http://schemas.openxmlformats.org/officeDocument/2006/relationships" xmlns:p="http://schemas.openxmlformats.org/presentationml/2006/main">
+  <p:cSld>
+    <p:spTree>
+      <p:nvGrpSpPr>
+        <p:cNvPr id="1" name=""/>
+        <p:cNvGrpSpPr/>
+        <p:nvPr/>
+      </p:nvGrpSpPr>
+      <p:grpSpPr>
+        <a:xfrm>
+          <a:off x="0" y="0"/>
+          <a:ext cx="0" cy="0"/>
+          <a:chOff x="0" y="0"/>
+          <a:chExt cx="0" cy="0"/>
+        </a:xfrm>
+      </p:grpSpPr>
+      <p:sp>
+        <p:nvSpPr>
+          <p:cNvPr id="2" name="제목 1"/>
+          <p:cNvSpPr>
+            <a:spLocks noGrp="1"/>
+          </p:cNvSpPr>
+          <p:nvPr>
+            <p:ph type="title"/>
+          </p:nvPr>
+        </p:nvSpPr>
+        <p:spPr/>
+        <p:txBody>
+          <a:bodyPr/>
+          <a:lstStyle/>
+          <a:p>
+            <a:r>
+              <a:rPr lang="en-US" altLang="ko-KR" dirty="0" smtClean="0">
+                <a:latin typeface="HY헤드라인M" panose="02030600000101010101" pitchFamily="18" charset="-127"/>
+                <a:ea typeface="HY헤드라인M" panose="02030600000101010101" pitchFamily="18" charset="-127"/>
+              </a:rPr>
+              <a:t>1. </a:t>
+            </a:r>
+            <a:r>
+              <a:rPr lang="ko-KR" altLang="en-US" dirty="0" smtClean="0">
+                <a:latin typeface="HY헤드라인M" panose="02030600000101010101" pitchFamily="18" charset="-127"/>
+                <a:ea typeface="HY헤드라인M" panose="02030600000101010101" pitchFamily="18" charset="-127"/>
+              </a:rPr>
+              <a:t>정규식 </a:t>
+            </a:r>
+            <a:r>
+              <a:rPr lang="en-US" altLang="ko-KR" dirty="0" smtClean="0">
+                <a:latin typeface="HY헤드라인M" panose="02030600000101010101" pitchFamily="18" charset="-127"/>
+                <a:ea typeface="HY헤드라인M" panose="02030600000101010101" pitchFamily="18" charset="-127"/>
+              </a:rPr>
+              <a:t>– spam </a:t>
+            </a:r>
+            <a:r>
+              <a:rPr lang="ko-KR" altLang="en-US" dirty="0" smtClean="0">
+                <a:latin typeface="HY헤드라인M" panose="02030600000101010101" pitchFamily="18" charset="-127"/>
+                <a:ea typeface="HY헤드라인M" panose="02030600000101010101" pitchFamily="18" charset="-127"/>
+              </a:rPr>
+              <a:t>감지</a:t>
+            </a:r>
+            <a:endParaRPr lang="ko-KR" altLang="en-US" dirty="0">
+              <a:latin typeface="HY헤드라인M" panose="02030600000101010101" pitchFamily="18" charset="-127"/>
+              <a:ea typeface="HY헤드라인M" panose="02030600000101010101" pitchFamily="18" charset="-127"/>
+            </a:endParaRPr>
+          </a:p>
+        </p:txBody>
+      </p:sp>
+      <p:cxnSp>
+        <p:nvCxnSpPr>
+          <p:cNvPr id="4" name="직선 연결선 3"/>
+          <p:cNvCxnSpPr/>
+          <p:nvPr/>
+        </p:nvCxnSpPr>
+        <p:spPr>
+          <a:xfrm flipH="1">
+            <a:off x="124019" y="1690688"/>
+            <a:ext cx="11807569" cy="18312"/>
+          </a:xfrm>
+          <a:prstGeom prst="line">
+            <a:avLst/>
+          </a:prstGeom>
+          <a:ln w="57150">
+            <a:solidFill>
+              <a:schemeClr val="accent6">
+                <a:lumMod val="40000"/>
+                <a:lumOff val="60000"/>
+              </a:schemeClr>
+            </a:solidFill>
+          </a:ln>
+        </p:spPr>
+        <p:style>
+          <a:lnRef idx="1">
+            <a:schemeClr val="accent1"/>
+          </a:lnRef>
+          <a:fillRef idx="0">
+            <a:schemeClr val="accent1"/>
+          </a:fillRef>
+          <a:effectRef idx="0">
+            <a:schemeClr val="accent1"/>
+          </a:effectRef>
+          <a:fontRef idx="minor">
+            <a:schemeClr val="tx1"/>
+          </a:fontRef>
+        </p:style>
+      </p:cxnSp>
+      <p:cxnSp>
+        <p:nvCxnSpPr>
+          <p:cNvPr id="7" name="직선 연결선 6"/>
+          <p:cNvCxnSpPr/>
+          <p:nvPr/>
+        </p:nvCxnSpPr>
+        <p:spPr>
+          <a:xfrm flipV="1">
+            <a:off x="235123" y="290941"/>
+            <a:ext cx="380866" cy="1626636"/>
+          </a:xfrm>
+          <a:prstGeom prst="line">
+            <a:avLst/>
+          </a:prstGeom>
+          <a:ln w="57150">
+            <a:solidFill>
+              <a:schemeClr val="accent6">
+                <a:lumMod val="75000"/>
+              </a:schemeClr>
+            </a:solidFill>
+          </a:ln>
+        </p:spPr>
+        <p:style>
+          <a:lnRef idx="1">
+            <a:schemeClr val="accent1"/>
+          </a:lnRef>
+          <a:fillRef idx="0">
+            <a:schemeClr val="accent1"/>
+          </a:fillRef>
+          <a:effectRef idx="0">
+            <a:schemeClr val="accent1"/>
+          </a:effectRef>
+          <a:fontRef idx="minor">
+            <a:schemeClr val="tx1"/>
+          </a:fontRef>
+        </p:style>
+      </p:cxnSp>
+      <p:cxnSp>
+        <p:nvCxnSpPr>
+          <p:cNvPr id="10" name="직선 연결선 9"/>
+          <p:cNvCxnSpPr/>
+          <p:nvPr/>
+        </p:nvCxnSpPr>
+        <p:spPr>
+          <a:xfrm>
+            <a:off x="235123" y="1482571"/>
+            <a:ext cx="380866" cy="5104660"/>
+          </a:xfrm>
+          <a:prstGeom prst="line">
+            <a:avLst/>
+          </a:prstGeom>
+          <a:ln w="57150">
+            <a:solidFill>
+              <a:schemeClr val="accent5">
+                <a:lumMod val="60000"/>
+                <a:lumOff val="40000"/>
+              </a:schemeClr>
+            </a:solidFill>
+          </a:ln>
+        </p:spPr>
+        <p:style>
+          <a:lnRef idx="1">
+            <a:schemeClr val="accent1"/>
+          </a:lnRef>
+          <a:fillRef idx="0">
+            <a:schemeClr val="accent1"/>
+          </a:fillRef>
+          <a:effectRef idx="0">
+            <a:schemeClr val="accent1"/>
+          </a:effectRef>
+          <a:fontRef idx="minor">
+            <a:schemeClr val="tx1"/>
+          </a:fontRef>
+        </p:style>
+      </p:cxnSp>
+      <p:cxnSp>
+        <p:nvCxnSpPr>
+          <p:cNvPr id="15" name="직선 연결선 14"/>
+          <p:cNvCxnSpPr/>
+          <p:nvPr/>
+        </p:nvCxnSpPr>
+        <p:spPr>
+          <a:xfrm flipH="1" flipV="1">
+            <a:off x="11132598" y="221942"/>
+            <a:ext cx="682237" cy="1790840"/>
+          </a:xfrm>
+          <a:prstGeom prst="line">
+            <a:avLst/>
+          </a:prstGeom>
+          <a:ln w="57150">
+            <a:solidFill>
+              <a:schemeClr val="accent5">
+                <a:lumMod val="60000"/>
+                <a:lumOff val="40000"/>
+              </a:schemeClr>
+            </a:solidFill>
+          </a:ln>
+        </p:spPr>
+        <p:style>
+          <a:lnRef idx="1">
+            <a:schemeClr val="accent1"/>
+          </a:lnRef>
+          <a:fillRef idx="0">
+            <a:schemeClr val="accent1"/>
+          </a:fillRef>
+          <a:effectRef idx="0">
+            <a:schemeClr val="accent1"/>
+          </a:effectRef>
+          <a:fontRef idx="minor">
+            <a:schemeClr val="tx1"/>
+          </a:fontRef>
+        </p:style>
+      </p:cxnSp>
+      <p:pic>
+        <p:nvPicPr>
+          <p:cNvPr id="5" name="내용 개체 틀 4"/>
+          <p:cNvPicPr>
+            <a:picLocks noGrp="1" noChangeAspect="1"/>
+          </p:cNvPicPr>
+          <p:nvPr>
+            <p:ph idx="1"/>
+          </p:nvPr>
+        </p:nvPicPr>
+        <p:blipFill>
+          <a:blip r:embed="rId2"/>
+          <a:stretch>
+            <a:fillRect/>
+          </a:stretch>
+        </p:blipFill>
+        <p:spPr>
+          <a:xfrm>
+            <a:off x="838200" y="1917117"/>
+            <a:ext cx="9415072" cy="4303288"/>
+          </a:xfrm>
+          <a:prstGeom prst="rect">
+            <a:avLst/>
+          </a:prstGeom>
+          <a:ln w="38100" cap="sq">
+            <a:solidFill>
+              <a:srgbClr val="000000"/>
+            </a:solidFill>
+            <a:prstDash val="solid"/>
+            <a:miter lim="800000"/>
+          </a:ln>
+          <a:effectLst>
+            <a:outerShdw blurRad="50800" dist="38100" dir="2700000" algn="tl" rotWithShape="0">
+              <a:srgbClr val="000000">
+                <a:alpha val="43000"/>
+              </a:srgbClr>
+            </a:outerShdw>
+          </a:effectLst>
+        </p:spPr>
+      </p:pic>
+      <p:pic>
+        <p:nvPicPr>
+          <p:cNvPr id="6" name="그림 5"/>
+          <p:cNvPicPr>
+            <a:picLocks noChangeAspect="1"/>
+          </p:cNvPicPr>
+          <p:nvPr/>
+        </p:nvPicPr>
+        <p:blipFill>
+          <a:blip r:embed="rId3"/>
+          <a:stretch>
+            <a:fillRect/>
+          </a:stretch>
+        </p:blipFill>
+        <p:spPr>
+          <a:xfrm>
+            <a:off x="8405699" y="2469534"/>
+            <a:ext cx="3409136" cy="639213"/>
+          </a:xfrm>
+          <a:prstGeom prst="rect">
+            <a:avLst/>
+          </a:prstGeom>
+          <a:ln w="38100" cap="sq">
+            <a:solidFill>
+              <a:srgbClr val="000000"/>
+            </a:solidFill>
+            <a:prstDash val="solid"/>
+            <a:miter lim="800000"/>
+          </a:ln>
+          <a:effectLst>
+            <a:outerShdw blurRad="50800" dist="38100" dir="2700000" algn="tl" rotWithShape="0">
+              <a:srgbClr val="000000">
+                <a:alpha val="43000"/>
+              </a:srgbClr>
+            </a:outerShdw>
+          </a:effectLst>
+        </p:spPr>
+      </p:pic>
+    </p:spTree>
+    <p:extLst>
+      <p:ext uri="{BB962C8B-B14F-4D97-AF65-F5344CB8AC3E}">
+        <p14:creationId xmlns:p14="http://schemas.microsoft.com/office/powerpoint/2010/main" val="1291203257"/>
+      </p:ext>
+    </p:extLst>
+  </p:cSld>
+  <p:clrMapOvr>
+    <a:masterClrMapping/>
+  </p:clrMapOvr>
+</p:sld>
+</file>
+
+<file path=ppt/slides/slide24.xml><?xml version="1.0" encoding="utf-8"?>
+<p:sld xmlns:a="http://schemas.openxmlformats.org/drawingml/2006/main" xmlns:r="http://schemas.openxmlformats.org/officeDocument/2006/relationships" xmlns:p="http://schemas.openxmlformats.org/presentationml/2006/main">
+  <p:cSld>
+    <p:spTree>
+      <p:nvGrpSpPr>
+        <p:cNvPr id="1" name=""/>
+        <p:cNvGrpSpPr/>
+        <p:nvPr/>
+      </p:nvGrpSpPr>
+      <p:grpSpPr>
+        <a:xfrm>
+          <a:off x="0" y="0"/>
+          <a:ext cx="0" cy="0"/>
+          <a:chOff x="0" y="0"/>
+          <a:chExt cx="0" cy="0"/>
+        </a:xfrm>
+      </p:grpSpPr>
+      <p:sp>
+        <p:nvSpPr>
+          <p:cNvPr id="2" name="제목 1"/>
+          <p:cNvSpPr>
+            <a:spLocks noGrp="1"/>
+          </p:cNvSpPr>
+          <p:nvPr>
+            <p:ph type="title"/>
+          </p:nvPr>
+        </p:nvSpPr>
+        <p:spPr/>
+        <p:txBody>
+          <a:bodyPr/>
+          <a:lstStyle/>
+          <a:p>
+            <a:r>
+              <a:rPr lang="en-US" altLang="ko-KR" dirty="0" smtClean="0">
+                <a:latin typeface="HY헤드라인M" panose="02030600000101010101" pitchFamily="18" charset="-127"/>
+                <a:ea typeface="HY헤드라인M" panose="02030600000101010101" pitchFamily="18" charset="-127"/>
+              </a:rPr>
+              <a:t>1. </a:t>
+            </a:r>
+            <a:r>
+              <a:rPr lang="ko-KR" altLang="en-US" dirty="0" smtClean="0">
+                <a:latin typeface="HY헤드라인M" panose="02030600000101010101" pitchFamily="18" charset="-127"/>
+                <a:ea typeface="HY헤드라인M" panose="02030600000101010101" pitchFamily="18" charset="-127"/>
+              </a:rPr>
+              <a:t>정규식 </a:t>
+            </a:r>
+            <a:r>
+              <a:rPr lang="en-US" altLang="ko-KR" dirty="0" smtClean="0">
+                <a:latin typeface="HY헤드라인M" panose="02030600000101010101" pitchFamily="18" charset="-127"/>
+                <a:ea typeface="HY헤드라인M" panose="02030600000101010101" pitchFamily="18" charset="-127"/>
+              </a:rPr>
+              <a:t>– Escape Character</a:t>
+            </a:r>
+            <a:endParaRPr lang="ko-KR" altLang="en-US" dirty="0">
+              <a:latin typeface="HY헤드라인M" panose="02030600000101010101" pitchFamily="18" charset="-127"/>
+              <a:ea typeface="HY헤드라인M" panose="02030600000101010101" pitchFamily="18" charset="-127"/>
+            </a:endParaRPr>
+          </a:p>
+        </p:txBody>
+      </p:sp>
+      <p:cxnSp>
+        <p:nvCxnSpPr>
+          <p:cNvPr id="4" name="직선 연결선 3"/>
+          <p:cNvCxnSpPr/>
+          <p:nvPr/>
+        </p:nvCxnSpPr>
+        <p:spPr>
+          <a:xfrm flipH="1">
+            <a:off x="124019" y="1690688"/>
+            <a:ext cx="11807569" cy="18312"/>
+          </a:xfrm>
+          <a:prstGeom prst="line">
+            <a:avLst/>
+          </a:prstGeom>
+          <a:ln w="57150">
+            <a:solidFill>
+              <a:schemeClr val="accent6">
+                <a:lumMod val="40000"/>
+                <a:lumOff val="60000"/>
+              </a:schemeClr>
+            </a:solidFill>
+          </a:ln>
+        </p:spPr>
+        <p:style>
+          <a:lnRef idx="1">
+            <a:schemeClr val="accent1"/>
+          </a:lnRef>
+          <a:fillRef idx="0">
+            <a:schemeClr val="accent1"/>
+          </a:fillRef>
+          <a:effectRef idx="0">
+            <a:schemeClr val="accent1"/>
+          </a:effectRef>
+          <a:fontRef idx="minor">
+            <a:schemeClr val="tx1"/>
+          </a:fontRef>
+        </p:style>
+      </p:cxnSp>
+      <p:cxnSp>
+        <p:nvCxnSpPr>
+          <p:cNvPr id="7" name="직선 연결선 6"/>
+          <p:cNvCxnSpPr/>
+          <p:nvPr/>
+        </p:nvCxnSpPr>
+        <p:spPr>
+          <a:xfrm flipV="1">
+            <a:off x="235123" y="290941"/>
+            <a:ext cx="380866" cy="1626636"/>
+          </a:xfrm>
+          <a:prstGeom prst="line">
+            <a:avLst/>
+          </a:prstGeom>
+          <a:ln w="57150">
+            <a:solidFill>
+              <a:schemeClr val="accent6">
+                <a:lumMod val="75000"/>
+              </a:schemeClr>
+            </a:solidFill>
+          </a:ln>
+        </p:spPr>
+        <p:style>
+          <a:lnRef idx="1">
+            <a:schemeClr val="accent1"/>
+          </a:lnRef>
+          <a:fillRef idx="0">
+            <a:schemeClr val="accent1"/>
+          </a:fillRef>
+          <a:effectRef idx="0">
+            <a:schemeClr val="accent1"/>
+          </a:effectRef>
+          <a:fontRef idx="minor">
+            <a:schemeClr val="tx1"/>
+          </a:fontRef>
+        </p:style>
+      </p:cxnSp>
+      <p:cxnSp>
+        <p:nvCxnSpPr>
+          <p:cNvPr id="10" name="직선 연결선 9"/>
+          <p:cNvCxnSpPr/>
+          <p:nvPr/>
+        </p:nvCxnSpPr>
+        <p:spPr>
+          <a:xfrm>
+            <a:off x="235123" y="1482571"/>
+            <a:ext cx="380866" cy="5104660"/>
+          </a:xfrm>
+          <a:prstGeom prst="line">
+            <a:avLst/>
+          </a:prstGeom>
+          <a:ln w="57150">
+            <a:solidFill>
+              <a:schemeClr val="accent5">
+                <a:lumMod val="60000"/>
+                <a:lumOff val="40000"/>
+              </a:schemeClr>
+            </a:solidFill>
+          </a:ln>
+        </p:spPr>
+        <p:style>
+          <a:lnRef idx="1">
+            <a:schemeClr val="accent1"/>
+          </a:lnRef>
+          <a:fillRef idx="0">
+            <a:schemeClr val="accent1"/>
+          </a:fillRef>
+          <a:effectRef idx="0">
+            <a:schemeClr val="accent1"/>
+          </a:effectRef>
+          <a:fontRef idx="minor">
+            <a:schemeClr val="tx1"/>
+          </a:fontRef>
+        </p:style>
+      </p:cxnSp>
+      <p:cxnSp>
+        <p:nvCxnSpPr>
+          <p:cNvPr id="15" name="직선 연결선 14"/>
+          <p:cNvCxnSpPr/>
+          <p:nvPr/>
+        </p:nvCxnSpPr>
+        <p:spPr>
+          <a:xfrm flipH="1" flipV="1">
+            <a:off x="11132598" y="221942"/>
+            <a:ext cx="682237" cy="1790840"/>
+          </a:xfrm>
+          <a:prstGeom prst="line">
+            <a:avLst/>
+          </a:prstGeom>
+          <a:ln w="57150">
+            <a:solidFill>
+              <a:schemeClr val="accent5">
+                <a:lumMod val="60000"/>
+                <a:lumOff val="40000"/>
+              </a:schemeClr>
+            </a:solidFill>
+          </a:ln>
+        </p:spPr>
+        <p:style>
+          <a:lnRef idx="1">
+            <a:schemeClr val="accent1"/>
+          </a:lnRef>
+          <a:fillRef idx="0">
+            <a:schemeClr val="accent1"/>
+          </a:fillRef>
+          <a:effectRef idx="0">
+            <a:schemeClr val="accent1"/>
+          </a:effectRef>
+          <a:fontRef idx="minor">
+            <a:schemeClr val="tx1"/>
+          </a:fontRef>
+        </p:style>
+      </p:cxnSp>
+      <p:sp>
+        <p:nvSpPr>
+          <p:cNvPr id="3" name="내용 개체 틀 2"/>
+          <p:cNvSpPr>
+            <a:spLocks noGrp="1"/>
+          </p:cNvSpPr>
+          <p:nvPr>
+            <p:ph idx="1"/>
+          </p:nvPr>
+        </p:nvSpPr>
+        <p:spPr/>
+        <p:txBody>
+          <a:bodyPr/>
+          <a:lstStyle/>
+          <a:p>
+            <a:r>
+              <a:rPr lang="ko-KR" altLang="en-US" dirty="0" smtClean="0"/>
+              <a:t>지정된 특수 문자를 그냥 문자 그대로 </a:t>
+            </a:r>
+            <a:r>
+              <a:rPr lang="ko-KR" altLang="en-US" dirty="0" err="1" smtClean="0"/>
+              <a:t>그대로</a:t>
+            </a:r>
+            <a:endParaRPr lang="en-US" altLang="ko-KR" dirty="0" smtClean="0"/>
+          </a:p>
+          <a:p>
+            <a:r>
+              <a:rPr lang="ko-KR" altLang="en-US" dirty="0" smtClean="0"/>
+              <a:t>사용하고 싶을 경우 대부분 </a:t>
+            </a:r>
+            <a:r>
+              <a:rPr lang="en-US" altLang="ko-KR" dirty="0" smtClean="0"/>
+              <a:t>‘\’</a:t>
+            </a:r>
+            <a:r>
+              <a:rPr lang="ko-KR" altLang="en-US" dirty="0" smtClean="0"/>
+              <a:t>를 붙이면 됨</a:t>
+            </a:r>
+            <a:endParaRPr lang="ko-KR" altLang="en-US" dirty="0"/>
+          </a:p>
+        </p:txBody>
+      </p:sp>
+      <p:pic>
+        <p:nvPicPr>
+          <p:cNvPr id="5" name="그림 4"/>
+          <p:cNvPicPr>
+            <a:picLocks noChangeAspect="1"/>
+          </p:cNvPicPr>
+          <p:nvPr/>
+        </p:nvPicPr>
+        <p:blipFill>
+          <a:blip r:embed="rId2"/>
+          <a:stretch>
+            <a:fillRect/>
+          </a:stretch>
+        </p:blipFill>
+        <p:spPr>
+          <a:xfrm>
+            <a:off x="838200" y="3177746"/>
+            <a:ext cx="7474149" cy="1978870"/>
+          </a:xfrm>
+          <a:prstGeom prst="rect">
+            <a:avLst/>
+          </a:prstGeom>
+          <a:ln w="38100" cap="sq">
+            <a:solidFill>
+              <a:srgbClr val="000000"/>
+            </a:solidFill>
+            <a:prstDash val="solid"/>
+            <a:miter lim="800000"/>
+          </a:ln>
+          <a:effectLst>
+            <a:outerShdw blurRad="50800" dist="38100" dir="2700000" algn="tl" rotWithShape="0">
+              <a:srgbClr val="000000">
+                <a:alpha val="43000"/>
+              </a:srgbClr>
+            </a:outerShdw>
+          </a:effectLst>
+        </p:spPr>
+      </p:pic>
+      <p:pic>
+        <p:nvPicPr>
+          <p:cNvPr id="6" name="그림 5"/>
+          <p:cNvPicPr>
+            <a:picLocks noChangeAspect="1"/>
+          </p:cNvPicPr>
+          <p:nvPr/>
+        </p:nvPicPr>
+        <p:blipFill rotWithShape="1">
+          <a:blip r:embed="rId3"/>
+          <a:srcRect b="26155"/>
+          <a:stretch/>
+        </p:blipFill>
+        <p:spPr>
+          <a:xfrm>
+            <a:off x="838199" y="5557252"/>
+            <a:ext cx="2689227" cy="543745"/>
+          </a:xfrm>
+          <a:prstGeom prst="rect">
+            <a:avLst/>
+          </a:prstGeom>
+          <a:ln w="38100" cap="sq">
+            <a:solidFill>
+              <a:srgbClr val="000000"/>
+            </a:solidFill>
+            <a:prstDash val="solid"/>
+            <a:miter lim="800000"/>
+          </a:ln>
+          <a:effectLst>
+            <a:outerShdw blurRad="50800" dist="38100" dir="2700000" algn="tl" rotWithShape="0">
+              <a:srgbClr val="000000">
+                <a:alpha val="43000"/>
+              </a:srgbClr>
+            </a:outerShdw>
+          </a:effectLst>
+        </p:spPr>
+      </p:pic>
+      <p:grpSp>
+        <p:nvGrpSpPr>
+          <p:cNvPr id="11" name="그룹 10"/>
+          <p:cNvGrpSpPr/>
+          <p:nvPr/>
+        </p:nvGrpSpPr>
+        <p:grpSpPr>
+          <a:xfrm>
+            <a:off x="8679305" y="3177746"/>
+            <a:ext cx="3135530" cy="1844242"/>
+            <a:chOff x="8312349" y="4499204"/>
+            <a:chExt cx="3502486" cy="2073840"/>
+          </a:xfrm>
+        </p:grpSpPr>
+        <p:pic>
+          <p:nvPicPr>
+            <p:cNvPr id="8" name="그림 7"/>
+            <p:cNvPicPr>
+              <a:picLocks noChangeAspect="1"/>
+            </p:cNvPicPr>
+            <p:nvPr/>
+          </p:nvPicPr>
+          <p:blipFill>
+            <a:blip r:embed="rId4"/>
+            <a:stretch>
+              <a:fillRect/>
+            </a:stretch>
+          </p:blipFill>
+          <p:spPr>
+            <a:xfrm>
+              <a:off x="8312349" y="4499204"/>
+              <a:ext cx="3502486" cy="2073840"/>
+            </a:xfrm>
+            <a:prstGeom prst="rect">
+              <a:avLst/>
+            </a:prstGeom>
+          </p:spPr>
+        </p:pic>
+        <p:sp>
+          <p:nvSpPr>
+            <p:cNvPr id="9" name="직사각형 8"/>
+            <p:cNvSpPr/>
+            <p:nvPr/>
+          </p:nvSpPr>
+          <p:spPr>
+            <a:xfrm>
+              <a:off x="8312349" y="4512039"/>
+              <a:ext cx="1506208" cy="764499"/>
+            </a:xfrm>
+            <a:prstGeom prst="rect">
+              <a:avLst/>
+            </a:prstGeom>
+            <a:solidFill>
+              <a:schemeClr val="tx1"/>
+            </a:solidFill>
+            <a:ln>
+              <a:solidFill>
+                <a:schemeClr val="tx1"/>
+              </a:solidFill>
+            </a:ln>
+          </p:spPr>
+          <p:style>
+            <a:lnRef idx="2">
+              <a:schemeClr val="accent1">
+                <a:shade val="50000"/>
+              </a:schemeClr>
+            </a:lnRef>
+            <a:fillRef idx="1">
+              <a:schemeClr val="accent1"/>
+            </a:fillRef>
+            <a:effectRef idx="0">
+              <a:schemeClr val="accent1"/>
+            </a:effectRef>
+            <a:fontRef idx="minor">
+              <a:schemeClr val="lt1"/>
+            </a:fontRef>
+          </p:style>
+          <p:txBody>
+            <a:bodyPr rtlCol="0" anchor="ctr"/>
+            <a:lstStyle/>
+            <a:p>
+              <a:pPr algn="ctr"/>
+              <a:endParaRPr lang="ko-KR" altLang="en-US"/>
+            </a:p>
+          </p:txBody>
+        </p:sp>
+      </p:grpSp>
+    </p:spTree>
+    <p:extLst>
+      <p:ext uri="{BB962C8B-B14F-4D97-AF65-F5344CB8AC3E}">
+        <p14:creationId xmlns:p14="http://schemas.microsoft.com/office/powerpoint/2010/main" val="2196705125"/>
+      </p:ext>
+    </p:extLst>
+  </p:cSld>
+  <p:clrMapOvr>
+    <a:masterClrMapping/>
+  </p:clrMapOvr>
+</p:sld>
+</file>
+
+<file path=ppt/slides/slide25.xml><?xml version="1.0" encoding="utf-8"?>
+<p:sld xmlns:a="http://schemas.openxmlformats.org/drawingml/2006/main" xmlns:r="http://schemas.openxmlformats.org/officeDocument/2006/relationships" xmlns:p="http://schemas.openxmlformats.org/presentationml/2006/main">
+  <p:cSld>
+    <p:spTree>
+      <p:nvGrpSpPr>
+        <p:cNvPr id="1" name=""/>
+        <p:cNvGrpSpPr/>
+        <p:nvPr/>
+      </p:nvGrpSpPr>
+      <p:grpSpPr>
+        <a:xfrm>
+          <a:off x="0" y="0"/>
+          <a:ext cx="0" cy="0"/>
+          <a:chOff x="0" y="0"/>
+          <a:chExt cx="0" cy="0"/>
+        </a:xfrm>
+      </p:grpSpPr>
+      <p:sp>
+        <p:nvSpPr>
+          <p:cNvPr id="2" name="제목 1"/>
+          <p:cNvSpPr>
+            <a:spLocks noGrp="1"/>
+          </p:cNvSpPr>
+          <p:nvPr>
+            <p:ph type="title"/>
+          </p:nvPr>
+        </p:nvSpPr>
+        <p:spPr/>
+        <p:txBody>
+          <a:bodyPr/>
+          <a:lstStyle/>
+          <a:p>
+            <a:r>
+              <a:rPr lang="en-US" altLang="ko-KR" dirty="0" smtClean="0">
+                <a:latin typeface="HY헤드라인M" panose="02030600000101010101" pitchFamily="18" charset="-127"/>
+                <a:ea typeface="HY헤드라인M" panose="02030600000101010101" pitchFamily="18" charset="-127"/>
+              </a:rPr>
+              <a:t>1. </a:t>
+            </a:r>
+            <a:r>
+              <a:rPr lang="ko-KR" altLang="en-US" dirty="0" smtClean="0">
+                <a:latin typeface="HY헤드라인M" panose="02030600000101010101" pitchFamily="18" charset="-127"/>
+                <a:ea typeface="HY헤드라인M" panose="02030600000101010101" pitchFamily="18" charset="-127"/>
+              </a:rPr>
+              <a:t>요약</a:t>
+            </a:r>
+            <a:endParaRPr lang="ko-KR" altLang="en-US" dirty="0">
+              <a:latin typeface="HY헤드라인M" panose="02030600000101010101" pitchFamily="18" charset="-127"/>
+              <a:ea typeface="HY헤드라인M" panose="02030600000101010101" pitchFamily="18" charset="-127"/>
+            </a:endParaRPr>
+          </a:p>
+        </p:txBody>
+      </p:sp>
+      <p:cxnSp>
+        <p:nvCxnSpPr>
+          <p:cNvPr id="4" name="직선 연결선 3"/>
+          <p:cNvCxnSpPr/>
+          <p:nvPr/>
+        </p:nvCxnSpPr>
+        <p:spPr>
+          <a:xfrm flipH="1">
+            <a:off x="124019" y="1690688"/>
+            <a:ext cx="11807569" cy="18312"/>
+          </a:xfrm>
+          <a:prstGeom prst="line">
+            <a:avLst/>
+          </a:prstGeom>
+          <a:ln w="57150">
+            <a:solidFill>
+              <a:schemeClr val="accent6">
+                <a:lumMod val="40000"/>
+                <a:lumOff val="60000"/>
+              </a:schemeClr>
+            </a:solidFill>
+          </a:ln>
+        </p:spPr>
+        <p:style>
+          <a:lnRef idx="1">
+            <a:schemeClr val="accent1"/>
+          </a:lnRef>
+          <a:fillRef idx="0">
+            <a:schemeClr val="accent1"/>
+          </a:fillRef>
+          <a:effectRef idx="0">
+            <a:schemeClr val="accent1"/>
+          </a:effectRef>
+          <a:fontRef idx="minor">
+            <a:schemeClr val="tx1"/>
+          </a:fontRef>
+        </p:style>
+      </p:cxnSp>
+      <p:cxnSp>
+        <p:nvCxnSpPr>
+          <p:cNvPr id="7" name="직선 연결선 6"/>
+          <p:cNvCxnSpPr/>
+          <p:nvPr/>
+        </p:nvCxnSpPr>
+        <p:spPr>
+          <a:xfrm flipV="1">
+            <a:off x="235123" y="290941"/>
+            <a:ext cx="380866" cy="1626636"/>
+          </a:xfrm>
+          <a:prstGeom prst="line">
+            <a:avLst/>
+          </a:prstGeom>
+          <a:ln w="57150">
+            <a:solidFill>
+              <a:schemeClr val="accent6">
+                <a:lumMod val="75000"/>
+              </a:schemeClr>
+            </a:solidFill>
+          </a:ln>
+        </p:spPr>
+        <p:style>
+          <a:lnRef idx="1">
+            <a:schemeClr val="accent1"/>
+          </a:lnRef>
+          <a:fillRef idx="0">
+            <a:schemeClr val="accent1"/>
+          </a:fillRef>
+          <a:effectRef idx="0">
+            <a:schemeClr val="accent1"/>
+          </a:effectRef>
+          <a:fontRef idx="minor">
+            <a:schemeClr val="tx1"/>
+          </a:fontRef>
+        </p:style>
+      </p:cxnSp>
+      <p:cxnSp>
+        <p:nvCxnSpPr>
+          <p:cNvPr id="10" name="직선 연결선 9"/>
+          <p:cNvCxnSpPr/>
+          <p:nvPr/>
+        </p:nvCxnSpPr>
+        <p:spPr>
+          <a:xfrm>
+            <a:off x="235123" y="1482571"/>
+            <a:ext cx="380866" cy="5104660"/>
+          </a:xfrm>
+          <a:prstGeom prst="line">
+            <a:avLst/>
+          </a:prstGeom>
+          <a:ln w="57150">
+            <a:solidFill>
+              <a:schemeClr val="accent5">
+                <a:lumMod val="60000"/>
+                <a:lumOff val="40000"/>
+              </a:schemeClr>
+            </a:solidFill>
+          </a:ln>
+        </p:spPr>
+        <p:style>
+          <a:lnRef idx="1">
+            <a:schemeClr val="accent1"/>
+          </a:lnRef>
+          <a:fillRef idx="0">
+            <a:schemeClr val="accent1"/>
+          </a:fillRef>
+          <a:effectRef idx="0">
+            <a:schemeClr val="accent1"/>
+          </a:effectRef>
+          <a:fontRef idx="minor">
+            <a:schemeClr val="tx1"/>
+          </a:fontRef>
+        </p:style>
+      </p:cxnSp>
+      <p:cxnSp>
+        <p:nvCxnSpPr>
+          <p:cNvPr id="15" name="직선 연결선 14"/>
+          <p:cNvCxnSpPr/>
+          <p:nvPr/>
+        </p:nvCxnSpPr>
+        <p:spPr>
+          <a:xfrm flipH="1" flipV="1">
+            <a:off x="11132598" y="221942"/>
+            <a:ext cx="682237" cy="1790840"/>
+          </a:xfrm>
+          <a:prstGeom prst="line">
+            <a:avLst/>
+          </a:prstGeom>
+          <a:ln w="57150">
+            <a:solidFill>
+              <a:schemeClr val="accent5">
+                <a:lumMod val="60000"/>
+                <a:lumOff val="40000"/>
+              </a:schemeClr>
+            </a:solidFill>
+          </a:ln>
+        </p:spPr>
+        <p:style>
+          <a:lnRef idx="1">
+            <a:schemeClr val="accent1"/>
+          </a:lnRef>
+          <a:fillRef idx="0">
+            <a:schemeClr val="accent1"/>
+          </a:fillRef>
+          <a:effectRef idx="0">
+            <a:schemeClr val="accent1"/>
+          </a:effectRef>
+          <a:fontRef idx="minor">
+            <a:schemeClr val="tx1"/>
+          </a:fontRef>
+        </p:style>
+      </p:cxnSp>
+      <p:sp>
+        <p:nvSpPr>
+          <p:cNvPr id="3" name="내용 개체 틀 2"/>
+          <p:cNvSpPr>
+            <a:spLocks noGrp="1"/>
+          </p:cNvSpPr>
+          <p:nvPr>
+            <p:ph idx="1"/>
+          </p:nvPr>
+        </p:nvSpPr>
+        <p:spPr/>
+        <p:txBody>
+          <a:bodyPr/>
+          <a:lstStyle/>
+          <a:p>
+            <a:r>
+              <a:rPr lang="ko-KR" altLang="en-US" dirty="0" smtClean="0"/>
+              <a:t>정규식은 조금 복잡하지만</a:t>
+            </a:r>
+            <a:r>
+              <a:rPr lang="en-US" altLang="ko-KR" dirty="0" smtClean="0"/>
+              <a:t>, </a:t>
+            </a:r>
+            <a:r>
+              <a:rPr lang="ko-KR" altLang="en-US" dirty="0" smtClean="0"/>
+              <a:t>문자열을 처리하는데 매우 효과적</a:t>
+            </a:r>
+            <a:endParaRPr lang="en-US" altLang="ko-KR" dirty="0" smtClean="0"/>
+          </a:p>
+          <a:p>
+            <a:endParaRPr lang="en-US" altLang="ko-KR" dirty="0"/>
+          </a:p>
+          <a:p>
+            <a:r>
+              <a:rPr lang="ko-KR" altLang="en-US" dirty="0" smtClean="0"/>
+              <a:t>정규식은 특수문자로 의도를 함축적으로 표현</a:t>
+            </a:r>
+            <a:endParaRPr lang="ko-KR" altLang="en-US" dirty="0"/>
+          </a:p>
+        </p:txBody>
+      </p:sp>
+    </p:spTree>
+    <p:extLst>
+      <p:ext uri="{BB962C8B-B14F-4D97-AF65-F5344CB8AC3E}">
+        <p14:creationId xmlns:p14="http://schemas.microsoft.com/office/powerpoint/2010/main" val="1439631457"/>
+      </p:ext>
+    </p:extLst>
+  </p:cSld>
+  <p:clrMapOvr>
+    <a:masterClrMapping/>
+  </p:clrMapOvr>
+</p:sld>
+</file>
+
+<file path=ppt/slides/slide26.xml><?xml version="1.0" encoding="utf-8"?>
+<p:sld xmlns:a="http://schemas.openxmlformats.org/drawingml/2006/main" xmlns:r="http://schemas.openxmlformats.org/officeDocument/2006/relationships" xmlns:p="http://schemas.openxmlformats.org/presentationml/2006/main">
+  <p:cSld>
+    <p:spTree>
+      <p:nvGrpSpPr>
+        <p:cNvPr id="1" name=""/>
+        <p:cNvGrpSpPr/>
+        <p:nvPr/>
+      </p:nvGrpSpPr>
+      <p:grpSpPr>
+        <a:xfrm>
+          <a:off x="0" y="0"/>
+          <a:ext cx="0" cy="0"/>
+          <a:chOff x="0" y="0"/>
+          <a:chExt cx="0" cy="0"/>
+        </a:xfrm>
+      </p:grpSpPr>
+      <p:sp>
+        <p:nvSpPr>
+          <p:cNvPr id="2" name="제목 1"/>
+          <p:cNvSpPr>
+            <a:spLocks noGrp="1"/>
+          </p:cNvSpPr>
+          <p:nvPr>
+            <p:ph type="title"/>
+          </p:nvPr>
+        </p:nvSpPr>
+        <p:spPr/>
+        <p:txBody>
+          <a:bodyPr/>
+          <a:lstStyle/>
+          <a:p>
+            <a:endParaRPr lang="ko-KR" altLang="en-US"/>
+          </a:p>
+        </p:txBody>
+      </p:sp>
+      <p:sp>
+        <p:nvSpPr>
+          <p:cNvPr id="3" name="내용 개체 틀 2"/>
+          <p:cNvSpPr>
+            <a:spLocks noGrp="1"/>
+          </p:cNvSpPr>
+          <p:nvPr>
+            <p:ph idx="1"/>
+          </p:nvPr>
+        </p:nvSpPr>
+        <p:spPr/>
+        <p:txBody>
+          <a:bodyPr/>
+          <a:lstStyle/>
+          <a:p>
+            <a:endParaRPr lang="ko-KR" altLang="en-US"/>
+          </a:p>
+        </p:txBody>
+      </p:sp>
+    </p:spTree>
+    <p:extLst>
+      <p:ext uri="{BB962C8B-B14F-4D97-AF65-F5344CB8AC3E}">
+        <p14:creationId xmlns:p14="http://schemas.microsoft.com/office/powerpoint/2010/main" val="935235381"/>
+      </p:ext>
+    </p:extLst>
+  </p:cSld>
+  <p:clrMapOvr>
+    <a:masterClrMapping/>
+  </p:clrMapOvr>
+</p:sld>
+</file>
+
 <file path=ppt/slides/slide3.xml><?xml version="1.0" encoding="utf-8"?>
 <p:sld xmlns:a="http://schemas.openxmlformats.org/drawingml/2006/main" xmlns:r="http://schemas.openxmlformats.org/officeDocument/2006/relationships" xmlns:p="http://schemas.openxmlformats.org/presentationml/2006/main">
   <p:cSld>
@@ -6773,7 +10068,7 @@
         <p:spPr/>
         <p:txBody>
           <a:bodyPr>
-            <a:normAutofit/>
+            <a:normAutofit lnSpcReduction="10000"/>
           </a:bodyPr>
           <a:lstStyle/>
           <a:p>
@@ -8375,14 +11670,7 @@
                 <a:latin typeface="HY헤드라인M" panose="02030600000101010101" pitchFamily="18" charset="-127"/>
                 <a:ea typeface="HY헤드라인M" panose="02030600000101010101" pitchFamily="18" charset="-127"/>
               </a:rPr>
-              <a:t>– </a:t>
-            </a:r>
-            <a:r>
-              <a:rPr lang="en-US" altLang="ko-KR" dirty="0" smtClean="0">
-                <a:latin typeface="HY헤드라인M" panose="02030600000101010101" pitchFamily="18" charset="-127"/>
-                <a:ea typeface="HY헤드라인M" panose="02030600000101010101" pitchFamily="18" charset="-127"/>
-              </a:rPr>
-              <a:t>find()</a:t>
+              <a:t>– find()</a:t>
             </a:r>
             <a:r>
               <a:rPr lang="ko-KR" altLang="en-US" dirty="0" smtClean="0">
@@ -8736,14 +12024,7 @@
                 <a:latin typeface="HY헤드라인M" panose="02030600000101010101" pitchFamily="18" charset="-127"/>
                 <a:ea typeface="HY헤드라인M" panose="02030600000101010101" pitchFamily="18" charset="-127"/>
               </a:rPr>
-              <a:t>– </a:t>
-            </a:r>
-            <a:r>
-              <a:rPr lang="en-US" altLang="ko-KR" dirty="0" smtClean="0">
-                <a:latin typeface="HY헤드라인M" panose="02030600000101010101" pitchFamily="18" charset="-127"/>
-                <a:ea typeface="HY헤드라인M" panose="02030600000101010101" pitchFamily="18" charset="-127"/>
-              </a:rPr>
-              <a:t>find()</a:t>
+              <a:t>– find()</a:t>
             </a:r>
             <a:r>
               <a:rPr lang="ko-KR" altLang="en-US" dirty="0" smtClean="0">
